--- a/SOLID - 4 DIP.pptx
+++ b/SOLID - 4 DIP.pptx
@@ -8,16 +8,13 @@
     <p:sldId id="305" r:id="rId2"/>
     <p:sldId id="306" r:id="rId3"/>
     <p:sldId id="307" r:id="rId4"/>
-    <p:sldId id="309" r:id="rId5"/>
-    <p:sldId id="310" r:id="rId6"/>
-    <p:sldId id="311" r:id="rId7"/>
-    <p:sldId id="313" r:id="rId8"/>
-    <p:sldId id="294" r:id="rId9"/>
-    <p:sldId id="299" r:id="rId10"/>
-    <p:sldId id="314" r:id="rId11"/>
-    <p:sldId id="295" r:id="rId12"/>
-    <p:sldId id="304" r:id="rId13"/>
-    <p:sldId id="302" r:id="rId14"/>
+    <p:sldId id="315" r:id="rId5"/>
+    <p:sldId id="294" r:id="rId6"/>
+    <p:sldId id="299" r:id="rId7"/>
+    <p:sldId id="295" r:id="rId8"/>
+    <p:sldId id="304" r:id="rId9"/>
+    <p:sldId id="302" r:id="rId10"/>
+    <p:sldId id="316" r:id="rId11"/>
   </p:sldIdLst>
   <p:sldSz cx="12192000" cy="6858000"/>
   <p:notesSz cx="6858000" cy="9144000"/>
@@ -350,7 +347,7 @@
           <a:p>
             <a:fld id="{4BDF68E2-58F2-4D09-BE8B-E3BD06533059}" type="datetimeFigureOut">
               <a:rPr lang="en-US" dirty="0"/>
-              <a:t>11/30/2016</a:t>
+              <a:t>1/8/2017</a:t>
             </a:fld>
             <a:endParaRPr lang="en-US" dirty="0"/>
           </a:p>
@@ -553,7 +550,7 @@
           <a:p>
             <a:fld id="{2E2D6473-DF6D-4702-B328-E0DD40540A4E}" type="datetimeFigureOut">
               <a:rPr lang="en-US" dirty="0"/>
-              <a:t>11/30/2016</a:t>
+              <a:t>1/8/2017</a:t>
             </a:fld>
             <a:endParaRPr lang="en-US" dirty="0"/>
           </a:p>
@@ -804,7 +801,7 @@
           <a:p>
             <a:fld id="{E26F7E3A-B166-407D-9866-32884E7D5B37}" type="datetimeFigureOut">
               <a:rPr lang="en-US" dirty="0"/>
-              <a:t>11/30/2016</a:t>
+              <a:t>1/8/2017</a:t>
             </a:fld>
             <a:endParaRPr lang="en-US" dirty="0"/>
           </a:p>
@@ -973,7 +970,7 @@
           <a:p>
             <a:fld id="{528FC5F6-F338-4AE4-BB23-26385BCFC423}" type="datetimeFigureOut">
               <a:rPr lang="en-US" dirty="0"/>
-              <a:t>11/30/2016</a:t>
+              <a:t>1/8/2017</a:t>
             </a:fld>
             <a:endParaRPr lang="en-US" dirty="0"/>
           </a:p>
@@ -1311,7 +1308,7 @@
           <a:p>
             <a:fld id="{20EBB0C4-6273-4C6E-B9BD-2EDC30F1CD52}" type="datetimeFigureOut">
               <a:rPr lang="en-US" dirty="0"/>
-              <a:t>11/30/2016</a:t>
+              <a:t>1/8/2017</a:t>
             </a:fld>
             <a:endParaRPr lang="en-US" dirty="0"/>
           </a:p>
@@ -1581,7 +1578,7 @@
           <a:p>
             <a:fld id="{19AB4D41-86C1-4908-B66A-0B50CEB3BF29}" type="datetimeFigureOut">
               <a:rPr lang="en-US" dirty="0"/>
-              <a:t>11/30/2016</a:t>
+              <a:t>1/8/2017</a:t>
             </a:fld>
             <a:endParaRPr lang="en-US" dirty="0"/>
           </a:p>
@@ -1955,7 +1952,7 @@
           <a:p>
             <a:fld id="{E6426E2C-56C1-4E0D-A793-0088A7FDD37E}" type="datetimeFigureOut">
               <a:rPr lang="en-US" dirty="0"/>
-              <a:t>11/30/2016</a:t>
+              <a:t>1/8/2017</a:t>
             </a:fld>
             <a:endParaRPr lang="en-US" dirty="0"/>
           </a:p>
@@ -2068,7 +2065,7 @@
           <a:p>
             <a:fld id="{C8C39B41-D8B5-4052-B551-9B5525EAA8B6}" type="datetimeFigureOut">
               <a:rPr lang="en-US" dirty="0"/>
-              <a:t>11/30/2016</a:t>
+              <a:t>1/8/2017</a:t>
             </a:fld>
             <a:endParaRPr lang="en-US" dirty="0"/>
           </a:p>
@@ -2234,7 +2231,7 @@
           <a:p>
             <a:fld id="{4D94136C-8742-45B2-AF27-D93DF72833A9}" type="datetimeFigureOut">
               <a:rPr lang="en-US" dirty="0"/>
-              <a:t>11/30/2016</a:t>
+              <a:t>1/8/2017</a:t>
             </a:fld>
             <a:endParaRPr lang="en-US" dirty="0"/>
           </a:p>
@@ -2584,7 +2581,7 @@
           <a:p>
             <a:fld id="{32ABBEA6-7C60-4B02-AE87-00D78D8422AF}" type="datetimeFigureOut">
               <a:rPr lang="en-US" dirty="0"/>
-              <a:t>11/30/2016</a:t>
+              <a:t>1/8/2017</a:t>
             </a:fld>
             <a:endParaRPr lang="en-US" dirty="0"/>
           </a:p>
@@ -2962,7 +2959,7 @@
           <a:p>
             <a:fld id="{C9CAD897-D46E-4AD2-BD9B-49DD3E640873}" type="datetimeFigureOut">
               <a:rPr lang="en-US" dirty="0"/>
-              <a:t>11/30/2016</a:t>
+              <a:t>1/8/2017</a:t>
             </a:fld>
             <a:endParaRPr lang="en-US" dirty="0"/>
           </a:p>
@@ -3244,7 +3241,7 @@
           <a:p>
             <a:fld id="{98624D31-43A5-475A-80CF-332C9F6DCF35}" type="datetimeFigureOut">
               <a:rPr lang="en-US" dirty="0"/>
-              <a:t>11/30/2016</a:t>
+              <a:t>1/8/2017</a:t>
             </a:fld>
             <a:endParaRPr lang="en-US" dirty="0"/>
           </a:p>
@@ -3852,77 +3849,59 @@
           <a:lstStyle/>
           <a:p>
             <a:r>
-              <a:rPr lang="fr-FR" dirty="0" err="1"/>
-              <a:t>Dependency</a:t>
-            </a:r>
-            <a:r>
               <a:rPr lang="fr-FR" dirty="0"/>
-              <a:t> Inversion </a:t>
-            </a:r>
-            <a:r>
-              <a:rPr lang="fr-FR" dirty="0" err="1"/>
-              <a:t>principle</a:t>
-            </a:r>
-            <a:endParaRPr lang="fr-FR" dirty="0"/>
-          </a:p>
-        </p:txBody>
-      </p:sp>
-      <p:sp>
-        <p:nvSpPr>
-          <p:cNvPr id="3" name="Espace réservé du contenu 2"/>
-          <p:cNvSpPr>
-            <a:spLocks noGrp="1"/>
-          </p:cNvSpPr>
+              <a:t>Sources</a:t>
+            </a:r>
+          </a:p>
+        </p:txBody>
+      </p:sp>
+      <p:pic>
+        <p:nvPicPr>
+          <p:cNvPr id="1026" name="Picture 2" descr="Dependency Injection in .NET by Mark Seemann, http://www.amazon.com/dp ..."/>
+          <p:cNvPicPr>
+            <a:picLocks noGrp="1" noChangeAspect="1" noChangeArrowheads="1"/>
+          </p:cNvPicPr>
           <p:nvPr>
             <p:ph idx="1"/>
           </p:nvPr>
-        </p:nvSpPr>
-        <p:spPr>
+        </p:nvPicPr>
+        <p:blipFill>
+          <a:blip r:embed="rId2">
+            <a:extLst>
+              <a:ext uri="{28A0092B-C50C-407E-A947-70E740481C1C}">
+                <a14:useLocalDpi xmlns:a14="http://schemas.microsoft.com/office/drawing/2010/main" val="0"/>
+              </a:ext>
+            </a:extLst>
+          </a:blip>
+          <a:srcRect/>
+          <a:stretch>
+            <a:fillRect/>
+          </a:stretch>
+        </p:blipFill>
+        <p:spPr bwMode="auto">
           <a:xfrm>
-            <a:off x="1097280" y="1845734"/>
-            <a:ext cx="10058400" cy="4023360"/>
+            <a:off x="4517073" y="1846263"/>
+            <a:ext cx="3218180" cy="4022725"/>
           </a:xfrm>
+          <a:prstGeom prst="rect">
+            <a:avLst/>
+          </a:prstGeom>
+          <a:noFill/>
+          <a:extLst>
+            <a:ext uri="{909E8E84-426E-40DD-AFC4-6F175D3DCCD1}">
+              <a14:hiddenFill xmlns:a14="http://schemas.microsoft.com/office/drawing/2010/main">
+                <a:solidFill>
+                  <a:srgbClr val="FFFFFF"/>
+                </a:solidFill>
+              </a14:hiddenFill>
+            </a:ext>
+          </a:extLst>
         </p:spPr>
-        <p:txBody>
-          <a:bodyPr/>
-          <a:lstStyle/>
-          <a:p>
-            <a:pPr marL="0" indent="0">
-              <a:buNone/>
-            </a:pPr>
-            <a:r>
-              <a:rPr lang="fr-FR" dirty="0"/>
-              <a:t>«  En informatique, le concept d'abstraction identifie et regroupe des caractéristiques et traitements communs applicables à des entités ou concepts variés ; une représentation abstraite commune de tels objets permet d'en simplifier et d'en unifier la manipulation. », </a:t>
-            </a:r>
-            <a:r>
-              <a:rPr lang="fr-FR" dirty="0" err="1"/>
-              <a:t>Wikipedia</a:t>
-            </a:r>
-            <a:endParaRPr lang="fr-FR" dirty="0"/>
-          </a:p>
-          <a:p>
-            <a:pPr marL="0" indent="0">
-              <a:buNone/>
-            </a:pPr>
-            <a:r>
-              <a:rPr lang="fr-FR" dirty="0"/>
-              <a:t>Module de haut niveau: Plus métier que technique</a:t>
-            </a:r>
-            <a:br>
-              <a:rPr lang="fr-FR" dirty="0"/>
-            </a:br>
-            <a:r>
-              <a:rPr lang="fr-FR" dirty="0"/>
-              <a:t>Module de bas niveau: Plus technique que métier</a:t>
-            </a:r>
-            <a:endParaRPr lang="en-US" dirty="0"/>
-          </a:p>
-        </p:txBody>
-      </p:sp>
+      </p:pic>
     </p:spTree>
     <p:extLst>
       <p:ext uri="{BB962C8B-B14F-4D97-AF65-F5344CB8AC3E}">
-        <p14:creationId xmlns:p14="http://schemas.microsoft.com/office/powerpoint/2010/main" val="1779867404"/>
+        <p14:creationId xmlns:p14="http://schemas.microsoft.com/office/powerpoint/2010/main" val="1124821970"/>
       </p:ext>
     </p:extLst>
   </p:cSld>
@@ -3932,7 +3911,1116 @@
 </p:sld>
 </file>
 
-<file path=ppt/slides/slide11.xml><?xml version="1.0" encoding="utf-8"?>
+<file path=ppt/slides/slide2.xml><?xml version="1.0" encoding="utf-8"?>
+<p:sld xmlns:a="http://schemas.openxmlformats.org/drawingml/2006/main" xmlns:r="http://schemas.openxmlformats.org/officeDocument/2006/relationships" xmlns:p="http://schemas.openxmlformats.org/presentationml/2006/main">
+  <p:cSld>
+    <p:spTree>
+      <p:nvGrpSpPr>
+        <p:cNvPr id="1" name=""/>
+        <p:cNvGrpSpPr/>
+        <p:nvPr/>
+      </p:nvGrpSpPr>
+      <p:grpSpPr>
+        <a:xfrm>
+          <a:off x="0" y="0"/>
+          <a:ext cx="0" cy="0"/>
+          <a:chOff x="0" y="0"/>
+          <a:chExt cx="0" cy="0"/>
+        </a:xfrm>
+      </p:grpSpPr>
+      <p:sp>
+        <p:nvSpPr>
+          <p:cNvPr id="2" name="Titre 1"/>
+          <p:cNvSpPr>
+            <a:spLocks noGrp="1"/>
+          </p:cNvSpPr>
+          <p:nvPr>
+            <p:ph type="title"/>
+          </p:nvPr>
+        </p:nvSpPr>
+        <p:spPr/>
+        <p:txBody>
+          <a:bodyPr/>
+          <a:lstStyle/>
+          <a:p>
+            <a:r>
+              <a:rPr lang="fr-FR" dirty="0"/>
+              <a:t>Cohésion</a:t>
+            </a:r>
+          </a:p>
+        </p:txBody>
+      </p:sp>
+      <p:sp>
+        <p:nvSpPr>
+          <p:cNvPr id="3" name="Espace réservé du contenu 2"/>
+          <p:cNvSpPr>
+            <a:spLocks noGrp="1"/>
+          </p:cNvSpPr>
+          <p:nvPr>
+            <p:ph idx="1"/>
+          </p:nvPr>
+        </p:nvSpPr>
+        <p:spPr/>
+        <p:txBody>
+          <a:bodyPr>
+            <a:normAutofit/>
+          </a:bodyPr>
+          <a:lstStyle/>
+          <a:p>
+            <a:r>
+              <a:rPr lang="fr-FR" dirty="0"/>
+              <a:t>« </a:t>
+            </a:r>
+            <a:r>
+              <a:rPr lang="en-US" dirty="0"/>
+              <a:t>Cohesion denotes the level of intra-dependency amongst the elements of a software module. In other words, Cohesion is a measure of the degree to which the responsibilities of a single module or a component form a meaningful unit</a:t>
+            </a:r>
+            <a:r>
+              <a:rPr lang="fr-FR" dirty="0"/>
+              <a:t>. », </a:t>
+            </a:r>
+            <a:r>
+              <a:rPr lang="fr-FR" dirty="0" err="1"/>
+              <a:t>Joydip</a:t>
+            </a:r>
+            <a:r>
+              <a:rPr lang="fr-FR" dirty="0"/>
+              <a:t> </a:t>
+            </a:r>
+            <a:r>
+              <a:rPr lang="fr-FR" dirty="0" err="1"/>
+              <a:t>Kanjilal</a:t>
+            </a:r>
+            <a:r>
+              <a:rPr lang="fr-FR" dirty="0"/>
+              <a:t> (MVP Microsoft)</a:t>
+            </a:r>
+          </a:p>
+          <a:p>
+            <a:endParaRPr lang="fr-FR" dirty="0"/>
+          </a:p>
+          <a:p>
+            <a:r>
+              <a:rPr lang="fr-FR" dirty="0"/>
+              <a:t>« La c</a:t>
+            </a:r>
+            <a:r>
+              <a:rPr lang="en-US" dirty="0" err="1"/>
+              <a:t>ohésion</a:t>
+            </a:r>
+            <a:r>
+              <a:rPr lang="en-US" dirty="0"/>
+              <a:t> </a:t>
+            </a:r>
+            <a:r>
+              <a:rPr lang="en-US" dirty="0" err="1"/>
+              <a:t>décrit</a:t>
+            </a:r>
+            <a:r>
+              <a:rPr lang="en-US" dirty="0"/>
+              <a:t> le </a:t>
+            </a:r>
+            <a:r>
+              <a:rPr lang="en-US" dirty="0" err="1"/>
+              <a:t>niveau</a:t>
+            </a:r>
+            <a:r>
+              <a:rPr lang="en-US" dirty="0"/>
+              <a:t> </a:t>
+            </a:r>
+            <a:r>
+              <a:rPr lang="en-US" dirty="0" err="1"/>
+              <a:t>d’inter-dépendance</a:t>
+            </a:r>
+            <a:r>
+              <a:rPr lang="en-US" dirty="0"/>
+              <a:t> entre les </a:t>
+            </a:r>
+            <a:r>
+              <a:rPr lang="en-US" dirty="0" err="1"/>
+              <a:t>éléments</a:t>
+            </a:r>
+            <a:r>
+              <a:rPr lang="en-US" dirty="0"/>
+              <a:t> d’un module. </a:t>
+            </a:r>
+            <a:r>
+              <a:rPr lang="en-US" dirty="0" err="1"/>
+              <a:t>En</a:t>
+            </a:r>
+            <a:r>
+              <a:rPr lang="en-US" dirty="0"/>
+              <a:t> </a:t>
+            </a:r>
+            <a:r>
+              <a:rPr lang="en-US" dirty="0" err="1"/>
+              <a:t>d’autres</a:t>
+            </a:r>
+            <a:r>
+              <a:rPr lang="en-US" dirty="0"/>
+              <a:t> </a:t>
+            </a:r>
+            <a:r>
+              <a:rPr lang="en-US" dirty="0" err="1"/>
+              <a:t>termes</a:t>
+            </a:r>
+            <a:r>
+              <a:rPr lang="en-US" dirty="0"/>
+              <a:t>, la </a:t>
+            </a:r>
+            <a:r>
+              <a:rPr lang="en-US" dirty="0" err="1"/>
+              <a:t>cohésion</a:t>
+            </a:r>
+            <a:r>
+              <a:rPr lang="en-US" dirty="0"/>
+              <a:t> </a:t>
+            </a:r>
+            <a:r>
+              <a:rPr lang="en-US" dirty="0" err="1"/>
+              <a:t>est</a:t>
+            </a:r>
+            <a:r>
+              <a:rPr lang="en-US" dirty="0"/>
+              <a:t> la </a:t>
+            </a:r>
+            <a:r>
+              <a:rPr lang="en-US" dirty="0" err="1"/>
+              <a:t>mesure</a:t>
+            </a:r>
+            <a:r>
+              <a:rPr lang="en-US" dirty="0"/>
+              <a:t> du </a:t>
+            </a:r>
+            <a:r>
+              <a:rPr lang="en-US" dirty="0" err="1"/>
+              <a:t>degré</a:t>
+            </a:r>
+            <a:r>
+              <a:rPr lang="en-US" dirty="0"/>
+              <a:t> du fait que les </a:t>
+            </a:r>
+            <a:r>
+              <a:rPr lang="en-US" dirty="0" err="1"/>
+              <a:t>responsabilités</a:t>
+            </a:r>
+            <a:r>
+              <a:rPr lang="en-US" dirty="0"/>
+              <a:t> </a:t>
+            </a:r>
+            <a:r>
+              <a:rPr lang="en-US" dirty="0" err="1"/>
+              <a:t>d’une</a:t>
+            </a:r>
+            <a:r>
+              <a:rPr lang="en-US" dirty="0"/>
+              <a:t> unique module </a:t>
+            </a:r>
+            <a:r>
+              <a:rPr lang="en-US" dirty="0" err="1"/>
+              <a:t>ou</a:t>
+            </a:r>
+            <a:r>
+              <a:rPr lang="en-US" dirty="0"/>
+              <a:t> </a:t>
+            </a:r>
+            <a:r>
+              <a:rPr lang="en-US" dirty="0" err="1"/>
+              <a:t>composant</a:t>
+            </a:r>
+            <a:r>
+              <a:rPr lang="en-US" dirty="0"/>
+              <a:t> </a:t>
+            </a:r>
+            <a:r>
+              <a:rPr lang="en-US" dirty="0" err="1"/>
+              <a:t>forme</a:t>
+            </a:r>
+            <a:r>
+              <a:rPr lang="en-US" dirty="0"/>
+              <a:t> </a:t>
+            </a:r>
+            <a:r>
+              <a:rPr lang="en-US" dirty="0" err="1"/>
+              <a:t>une</a:t>
+            </a:r>
+            <a:r>
+              <a:rPr lang="en-US" dirty="0"/>
+              <a:t> </a:t>
+            </a:r>
+            <a:r>
+              <a:rPr lang="en-US" dirty="0" err="1"/>
+              <a:t>unité</a:t>
+            </a:r>
+            <a:r>
+              <a:rPr lang="en-US" dirty="0"/>
+              <a:t> </a:t>
+            </a:r>
+            <a:r>
+              <a:rPr lang="en-US" dirty="0" err="1"/>
+              <a:t>significative</a:t>
+            </a:r>
+            <a:r>
+              <a:rPr lang="en-US" dirty="0"/>
+              <a:t>.</a:t>
+            </a:r>
+            <a:r>
+              <a:rPr lang="fr-FR" dirty="0"/>
+              <a:t> », </a:t>
+            </a:r>
+            <a:r>
+              <a:rPr lang="fr-FR" dirty="0" err="1"/>
+              <a:t>Joydip</a:t>
+            </a:r>
+            <a:r>
+              <a:rPr lang="fr-FR" dirty="0"/>
+              <a:t> </a:t>
+            </a:r>
+            <a:r>
+              <a:rPr lang="fr-FR" dirty="0" err="1"/>
+              <a:t>Kanjilal</a:t>
+            </a:r>
+            <a:r>
+              <a:rPr lang="fr-FR" dirty="0"/>
+              <a:t> (MVP Microsoft)</a:t>
+            </a:r>
+          </a:p>
+          <a:p>
+            <a:endParaRPr lang="fr-FR" dirty="0"/>
+          </a:p>
+        </p:txBody>
+      </p:sp>
+    </p:spTree>
+    <p:extLst>
+      <p:ext uri="{BB962C8B-B14F-4D97-AF65-F5344CB8AC3E}">
+        <p14:creationId xmlns:p14="http://schemas.microsoft.com/office/powerpoint/2010/main" val="2030170750"/>
+      </p:ext>
+    </p:extLst>
+  </p:cSld>
+  <p:clrMapOvr>
+    <a:masterClrMapping/>
+  </p:clrMapOvr>
+</p:sld>
+</file>
+
+<file path=ppt/slides/slide3.xml><?xml version="1.0" encoding="utf-8"?>
+<p:sld xmlns:a="http://schemas.openxmlformats.org/drawingml/2006/main" xmlns:r="http://schemas.openxmlformats.org/officeDocument/2006/relationships" xmlns:p="http://schemas.openxmlformats.org/presentationml/2006/main">
+  <p:cSld>
+    <p:spTree>
+      <p:nvGrpSpPr>
+        <p:cNvPr id="1" name=""/>
+        <p:cNvGrpSpPr/>
+        <p:nvPr/>
+      </p:nvGrpSpPr>
+      <p:grpSpPr>
+        <a:xfrm>
+          <a:off x="0" y="0"/>
+          <a:ext cx="0" cy="0"/>
+          <a:chOff x="0" y="0"/>
+          <a:chExt cx="0" cy="0"/>
+        </a:xfrm>
+      </p:grpSpPr>
+      <p:sp>
+        <p:nvSpPr>
+          <p:cNvPr id="2" name="Titre 1"/>
+          <p:cNvSpPr>
+            <a:spLocks noGrp="1"/>
+          </p:cNvSpPr>
+          <p:nvPr>
+            <p:ph type="title"/>
+          </p:nvPr>
+        </p:nvSpPr>
+        <p:spPr/>
+        <p:txBody>
+          <a:bodyPr/>
+          <a:lstStyle/>
+          <a:p>
+            <a:r>
+              <a:rPr lang="fr-FR" dirty="0"/>
+              <a:t>Couplage</a:t>
+            </a:r>
+          </a:p>
+        </p:txBody>
+      </p:sp>
+      <p:sp>
+        <p:nvSpPr>
+          <p:cNvPr id="3" name="Espace réservé du contenu 2"/>
+          <p:cNvSpPr>
+            <a:spLocks noGrp="1"/>
+          </p:cNvSpPr>
+          <p:nvPr>
+            <p:ph idx="1"/>
+          </p:nvPr>
+        </p:nvSpPr>
+        <p:spPr/>
+        <p:txBody>
+          <a:bodyPr/>
+          <a:lstStyle/>
+          <a:p>
+            <a:r>
+              <a:rPr lang="fr-FR" dirty="0"/>
+              <a:t>«</a:t>
+            </a:r>
+            <a:r>
+              <a:rPr lang="en-US" dirty="0"/>
+              <a:t> Coupling may be defined as the degree of interdependence that exists between software modules and how closely they are connected to each other. In essence, coupling indicates the strength of interconnectedness between software modules. When this coupling is high, we may assume that the software modules are interdependent, i.e., they cannot function without the other.</a:t>
+            </a:r>
+            <a:r>
+              <a:rPr lang="fr-FR" dirty="0"/>
+              <a:t> »</a:t>
+            </a:r>
+            <a:r>
+              <a:rPr lang="fr-FR" dirty="0"/>
+              <a:t>, </a:t>
+            </a:r>
+            <a:r>
+              <a:rPr lang="fr-FR" dirty="0" err="1"/>
+              <a:t>Joydip</a:t>
+            </a:r>
+            <a:r>
+              <a:rPr lang="fr-FR" dirty="0"/>
+              <a:t> </a:t>
+            </a:r>
+            <a:r>
+              <a:rPr lang="fr-FR" dirty="0" err="1"/>
+              <a:t>Kanjilal</a:t>
+            </a:r>
+            <a:r>
+              <a:rPr lang="fr-FR" dirty="0"/>
+              <a:t> (MVP Microsoft)</a:t>
+            </a:r>
+          </a:p>
+          <a:p>
+            <a:endParaRPr lang="fr-FR" dirty="0"/>
+          </a:p>
+          <a:p>
+            <a:r>
+              <a:rPr lang="fr-FR" dirty="0"/>
+              <a:t>«</a:t>
+            </a:r>
+            <a:r>
+              <a:rPr lang="en-US" dirty="0"/>
+              <a:t> Le </a:t>
+            </a:r>
+            <a:r>
+              <a:rPr lang="en-US" dirty="0" err="1"/>
+              <a:t>couplage</a:t>
+            </a:r>
+            <a:r>
+              <a:rPr lang="en-US" dirty="0"/>
+              <a:t> </a:t>
+            </a:r>
+            <a:r>
+              <a:rPr lang="en-US" dirty="0" err="1"/>
+              <a:t>peut</a:t>
+            </a:r>
+            <a:r>
+              <a:rPr lang="en-US" dirty="0"/>
+              <a:t> se </a:t>
+            </a:r>
+            <a:r>
+              <a:rPr lang="en-US" dirty="0" err="1"/>
+              <a:t>définir</a:t>
+            </a:r>
+            <a:r>
+              <a:rPr lang="en-US" dirty="0"/>
+              <a:t> </a:t>
+            </a:r>
+            <a:r>
+              <a:rPr lang="en-US" dirty="0" err="1"/>
+              <a:t>comme</a:t>
+            </a:r>
+            <a:r>
+              <a:rPr lang="en-US" dirty="0"/>
+              <a:t> le </a:t>
+            </a:r>
+            <a:r>
+              <a:rPr lang="en-US" dirty="0" err="1"/>
+              <a:t>degré</a:t>
+            </a:r>
+            <a:r>
+              <a:rPr lang="en-US" dirty="0"/>
+              <a:t> </a:t>
+            </a:r>
+            <a:r>
+              <a:rPr lang="en-US" dirty="0" err="1"/>
+              <a:t>d’interdépendance</a:t>
+            </a:r>
+            <a:r>
+              <a:rPr lang="en-US" dirty="0"/>
+              <a:t> qui </a:t>
+            </a:r>
+            <a:r>
+              <a:rPr lang="en-US" dirty="0" err="1"/>
+              <a:t>existe</a:t>
+            </a:r>
+            <a:r>
+              <a:rPr lang="en-US" dirty="0"/>
+              <a:t> entre les modules et à </a:t>
+            </a:r>
+            <a:r>
+              <a:rPr lang="en-US" dirty="0" err="1"/>
+              <a:t>quel</a:t>
+            </a:r>
+            <a:r>
+              <a:rPr lang="en-US" dirty="0"/>
+              <a:t> point </a:t>
+            </a:r>
+            <a:r>
+              <a:rPr lang="en-US" dirty="0" err="1"/>
+              <a:t>ils</a:t>
+            </a:r>
+            <a:r>
+              <a:rPr lang="en-US" dirty="0"/>
+              <a:t> </a:t>
+            </a:r>
+            <a:r>
+              <a:rPr lang="en-US" dirty="0" err="1"/>
+              <a:t>sont</a:t>
+            </a:r>
+            <a:r>
+              <a:rPr lang="en-US" dirty="0"/>
+              <a:t> </a:t>
+            </a:r>
+            <a:r>
+              <a:rPr lang="en-US" dirty="0" err="1"/>
+              <a:t>étroitement</a:t>
+            </a:r>
+            <a:r>
+              <a:rPr lang="en-US" dirty="0"/>
+              <a:t> </a:t>
+            </a:r>
+            <a:r>
+              <a:rPr lang="en-US" dirty="0" err="1"/>
+              <a:t>liés</a:t>
+            </a:r>
+            <a:r>
+              <a:rPr lang="en-US" dirty="0"/>
+              <a:t> entre </a:t>
+            </a:r>
+            <a:r>
+              <a:rPr lang="en-US" dirty="0" err="1"/>
+              <a:t>eux</a:t>
+            </a:r>
+            <a:r>
+              <a:rPr lang="en-US" dirty="0"/>
+              <a:t>. Par essence, le </a:t>
+            </a:r>
+            <a:r>
+              <a:rPr lang="en-US" dirty="0" err="1"/>
+              <a:t>couplage</a:t>
+            </a:r>
+            <a:r>
+              <a:rPr lang="en-US" dirty="0"/>
+              <a:t> </a:t>
+            </a:r>
+            <a:r>
+              <a:rPr lang="en-US" dirty="0" err="1"/>
+              <a:t>indique</a:t>
+            </a:r>
+            <a:r>
+              <a:rPr lang="en-US" dirty="0"/>
+              <a:t> la force </a:t>
+            </a:r>
+            <a:r>
+              <a:rPr lang="en-US" dirty="0" err="1"/>
+              <a:t>d’interconnexion</a:t>
+            </a:r>
+            <a:r>
+              <a:rPr lang="en-US" dirty="0"/>
+              <a:t> entre les modules. </a:t>
+            </a:r>
+            <a:r>
+              <a:rPr lang="en-US" dirty="0" err="1"/>
+              <a:t>Quand</a:t>
+            </a:r>
+            <a:r>
+              <a:rPr lang="en-US" dirty="0"/>
+              <a:t> le </a:t>
+            </a:r>
+            <a:r>
+              <a:rPr lang="en-US" dirty="0" err="1"/>
+              <a:t>couplage</a:t>
+            </a:r>
+            <a:r>
+              <a:rPr lang="en-US" dirty="0"/>
+              <a:t> </a:t>
+            </a:r>
+            <a:r>
+              <a:rPr lang="en-US" dirty="0" err="1"/>
+              <a:t>est</a:t>
+            </a:r>
+            <a:r>
+              <a:rPr lang="en-US" dirty="0"/>
+              <a:t> </a:t>
+            </a:r>
+            <a:r>
+              <a:rPr lang="en-US" dirty="0" err="1"/>
+              <a:t>élevé</a:t>
+            </a:r>
+            <a:r>
+              <a:rPr lang="en-US" dirty="0"/>
+              <a:t>, on assume que les modules </a:t>
+            </a:r>
+            <a:r>
+              <a:rPr lang="en-US" dirty="0" err="1"/>
+              <a:t>sont</a:t>
+            </a:r>
+            <a:r>
+              <a:rPr lang="en-US" dirty="0"/>
+              <a:t> inter-</a:t>
+            </a:r>
+            <a:r>
+              <a:rPr lang="en-US" dirty="0" err="1"/>
+              <a:t>dépendants</a:t>
+            </a:r>
+            <a:r>
+              <a:rPr lang="en-US" dirty="0"/>
+              <a:t>, par </a:t>
+            </a:r>
+            <a:r>
+              <a:rPr lang="en-US" dirty="0" err="1"/>
+              <a:t>exemple</a:t>
+            </a:r>
+            <a:r>
+              <a:rPr lang="en-US" dirty="0"/>
+              <a:t>, </a:t>
+            </a:r>
+            <a:r>
+              <a:rPr lang="en-US" dirty="0" err="1"/>
+              <a:t>ils</a:t>
+            </a:r>
+            <a:r>
+              <a:rPr lang="en-US" dirty="0"/>
+              <a:t> ne </a:t>
+            </a:r>
+            <a:r>
+              <a:rPr lang="en-US" dirty="0" err="1"/>
+              <a:t>peuvent</a:t>
+            </a:r>
+            <a:r>
+              <a:rPr lang="en-US" dirty="0"/>
+              <a:t> </a:t>
+            </a:r>
+            <a:r>
+              <a:rPr lang="en-US" dirty="0" err="1"/>
+              <a:t>fonctionner</a:t>
+            </a:r>
+            <a:r>
+              <a:rPr lang="en-US" dirty="0"/>
+              <a:t> sans les </a:t>
+            </a:r>
+            <a:r>
+              <a:rPr lang="en-US" dirty="0" err="1"/>
+              <a:t>autres</a:t>
+            </a:r>
+            <a:r>
+              <a:rPr lang="en-US" dirty="0"/>
+              <a:t>.</a:t>
+            </a:r>
+            <a:r>
+              <a:rPr lang="fr-FR" dirty="0"/>
+              <a:t> », </a:t>
+            </a:r>
+            <a:r>
+              <a:rPr lang="fr-FR" dirty="0" err="1"/>
+              <a:t>Joydip</a:t>
+            </a:r>
+            <a:r>
+              <a:rPr lang="fr-FR" dirty="0"/>
+              <a:t> </a:t>
+            </a:r>
+            <a:r>
+              <a:rPr lang="fr-FR" dirty="0" err="1"/>
+              <a:t>Kanjilal</a:t>
+            </a:r>
+            <a:r>
+              <a:rPr lang="fr-FR" dirty="0"/>
+              <a:t> (MVP Microsoft)</a:t>
+            </a:r>
+          </a:p>
+          <a:p>
+            <a:endParaRPr lang="fr-FR" dirty="0"/>
+          </a:p>
+        </p:txBody>
+      </p:sp>
+    </p:spTree>
+    <p:extLst>
+      <p:ext uri="{BB962C8B-B14F-4D97-AF65-F5344CB8AC3E}">
+        <p14:creationId xmlns:p14="http://schemas.microsoft.com/office/powerpoint/2010/main" val="1152923104"/>
+      </p:ext>
+    </p:extLst>
+  </p:cSld>
+  <p:clrMapOvr>
+    <a:masterClrMapping/>
+  </p:clrMapOvr>
+</p:sld>
+</file>
+
+<file path=ppt/slides/slide4.xml><?xml version="1.0" encoding="utf-8"?>
+<p:sld xmlns:a="http://schemas.openxmlformats.org/drawingml/2006/main" xmlns:r="http://schemas.openxmlformats.org/officeDocument/2006/relationships" xmlns:p="http://schemas.openxmlformats.org/presentationml/2006/main">
+  <p:cSld>
+    <p:spTree>
+      <p:nvGrpSpPr>
+        <p:cNvPr id="1" name=""/>
+        <p:cNvGrpSpPr/>
+        <p:nvPr/>
+      </p:nvGrpSpPr>
+      <p:grpSpPr>
+        <a:xfrm>
+          <a:off x="0" y="0"/>
+          <a:ext cx="0" cy="0"/>
+          <a:chOff x="0" y="0"/>
+          <a:chExt cx="0" cy="0"/>
+        </a:xfrm>
+      </p:grpSpPr>
+      <p:sp>
+        <p:nvSpPr>
+          <p:cNvPr id="2" name="Titre 1"/>
+          <p:cNvSpPr>
+            <a:spLocks noGrp="1"/>
+          </p:cNvSpPr>
+          <p:nvPr>
+            <p:ph type="title"/>
+          </p:nvPr>
+        </p:nvSpPr>
+        <p:spPr/>
+        <p:txBody>
+          <a:bodyPr/>
+          <a:lstStyle/>
+          <a:p>
+            <a:r>
+              <a:rPr lang="fr-FR" dirty="0"/>
+              <a:t>Relation entre cohésion et couplage</a:t>
+            </a:r>
+          </a:p>
+        </p:txBody>
+      </p:sp>
+      <p:sp>
+        <p:nvSpPr>
+          <p:cNvPr id="3" name="Espace réservé du contenu 2"/>
+          <p:cNvSpPr>
+            <a:spLocks noGrp="1"/>
+          </p:cNvSpPr>
+          <p:nvPr>
+            <p:ph idx="1"/>
+          </p:nvPr>
+        </p:nvSpPr>
+        <p:spPr/>
+        <p:txBody>
+          <a:bodyPr/>
+          <a:lstStyle/>
+          <a:p>
+            <a:r>
+              <a:rPr lang="fr-FR" dirty="0"/>
+              <a:t>L’idéal est d’allier une cohésion forte et un couplage faible.</a:t>
+            </a:r>
+          </a:p>
+          <a:p>
+            <a:r>
+              <a:rPr lang="fr-FR" dirty="0"/>
+              <a:t>La cohésion forte rend plus facile:</a:t>
+            </a:r>
+          </a:p>
+          <a:p>
+            <a:pPr lvl="1"/>
+            <a:r>
+              <a:rPr lang="fr-FR" dirty="0"/>
+              <a:t>La compréhension de ce que fait un module</a:t>
+            </a:r>
+          </a:p>
+          <a:p>
+            <a:pPr lvl="1"/>
+            <a:r>
+              <a:rPr lang="fr-FR" dirty="0"/>
+              <a:t>L’utilisation de noms descriptifs et clairs</a:t>
+            </a:r>
+          </a:p>
+          <a:p>
+            <a:pPr lvl="1"/>
+            <a:r>
+              <a:rPr lang="fr-FR" dirty="0"/>
+              <a:t>La réutilisation de modules</a:t>
+            </a:r>
+          </a:p>
+          <a:p>
+            <a:r>
+              <a:rPr lang="fr-FR" dirty="0"/>
+              <a:t>Le couplage faible rend plus facile:</a:t>
+            </a:r>
+          </a:p>
+          <a:p>
+            <a:pPr lvl="1"/>
+            <a:r>
+              <a:rPr lang="fr-FR" dirty="0"/>
+              <a:t>La compréhension de ce que fait un module sans avoir à lire les autres</a:t>
+            </a:r>
+          </a:p>
+          <a:p>
+            <a:pPr lvl="1"/>
+            <a:r>
+              <a:rPr lang="fr-FR" dirty="0"/>
+              <a:t>Le changement d’un module sans affecter les autres</a:t>
+            </a:r>
+          </a:p>
+          <a:p>
+            <a:pPr lvl="1"/>
+            <a:r>
+              <a:rPr lang="fr-FR" dirty="0"/>
+              <a:t>La maintenabilité</a:t>
+            </a:r>
+          </a:p>
+        </p:txBody>
+      </p:sp>
+    </p:spTree>
+    <p:extLst>
+      <p:ext uri="{BB962C8B-B14F-4D97-AF65-F5344CB8AC3E}">
+        <p14:creationId xmlns:p14="http://schemas.microsoft.com/office/powerpoint/2010/main" val="3924945690"/>
+      </p:ext>
+    </p:extLst>
+  </p:cSld>
+  <p:clrMapOvr>
+    <a:masterClrMapping/>
+  </p:clrMapOvr>
+</p:sld>
+</file>
+
+<file path=ppt/slides/slide5.xml><?xml version="1.0" encoding="utf-8"?>
+<p:sld xmlns:a="http://schemas.openxmlformats.org/drawingml/2006/main" xmlns:r="http://schemas.openxmlformats.org/officeDocument/2006/relationships" xmlns:p="http://schemas.openxmlformats.org/presentationml/2006/main">
+  <p:cSld>
+    <p:spTree>
+      <p:nvGrpSpPr>
+        <p:cNvPr id="1" name=""/>
+        <p:cNvGrpSpPr/>
+        <p:nvPr/>
+      </p:nvGrpSpPr>
+      <p:grpSpPr>
+        <a:xfrm>
+          <a:off x="0" y="0"/>
+          <a:ext cx="0" cy="0"/>
+          <a:chOff x="0" y="0"/>
+          <a:chExt cx="0" cy="0"/>
+        </a:xfrm>
+      </p:grpSpPr>
+      <p:sp>
+        <p:nvSpPr>
+          <p:cNvPr id="2" name="Titre 1"/>
+          <p:cNvSpPr>
+            <a:spLocks noGrp="1"/>
+          </p:cNvSpPr>
+          <p:nvPr>
+            <p:ph type="title"/>
+          </p:nvPr>
+        </p:nvSpPr>
+        <p:spPr/>
+        <p:txBody>
+          <a:bodyPr/>
+          <a:lstStyle/>
+          <a:p>
+            <a:r>
+              <a:rPr lang="fr-FR" dirty="0" err="1"/>
+              <a:t>Dependency</a:t>
+            </a:r>
+            <a:r>
+              <a:rPr lang="fr-FR" dirty="0"/>
+              <a:t> Inversion</a:t>
+            </a:r>
+            <a:br>
+              <a:rPr lang="fr-FR" dirty="0"/>
+            </a:br>
+            <a:r>
+              <a:rPr lang="fr-FR" dirty="0" err="1"/>
+              <a:t>Principle</a:t>
+            </a:r>
+            <a:endParaRPr lang="fr-FR" dirty="0"/>
+          </a:p>
+        </p:txBody>
+      </p:sp>
+      <p:sp>
+        <p:nvSpPr>
+          <p:cNvPr id="3" name="Espace réservé du texte 2"/>
+          <p:cNvSpPr>
+            <a:spLocks noGrp="1"/>
+          </p:cNvSpPr>
+          <p:nvPr>
+            <p:ph type="body" idx="1"/>
+          </p:nvPr>
+        </p:nvSpPr>
+        <p:spPr/>
+        <p:txBody>
+          <a:bodyPr/>
+          <a:lstStyle/>
+          <a:p>
+            <a:endParaRPr lang="en-US" dirty="0"/>
+          </a:p>
+        </p:txBody>
+      </p:sp>
+    </p:spTree>
+    <p:extLst>
+      <p:ext uri="{BB962C8B-B14F-4D97-AF65-F5344CB8AC3E}">
+        <p14:creationId xmlns:p14="http://schemas.microsoft.com/office/powerpoint/2010/main" val="825020337"/>
+      </p:ext>
+    </p:extLst>
+  </p:cSld>
+  <p:clrMapOvr>
+    <a:masterClrMapping/>
+  </p:clrMapOvr>
+</p:sld>
+</file>
+
+<file path=ppt/slides/slide6.xml><?xml version="1.0" encoding="utf-8"?>
+<p:sld xmlns:a="http://schemas.openxmlformats.org/drawingml/2006/main" xmlns:r="http://schemas.openxmlformats.org/officeDocument/2006/relationships" xmlns:p="http://schemas.openxmlformats.org/presentationml/2006/main">
+  <p:cSld>
+    <p:spTree>
+      <p:nvGrpSpPr>
+        <p:cNvPr id="1" name=""/>
+        <p:cNvGrpSpPr/>
+        <p:nvPr/>
+      </p:nvGrpSpPr>
+      <p:grpSpPr>
+        <a:xfrm>
+          <a:off x="0" y="0"/>
+          <a:ext cx="0" cy="0"/>
+          <a:chOff x="0" y="0"/>
+          <a:chExt cx="0" cy="0"/>
+        </a:xfrm>
+      </p:grpSpPr>
+      <p:sp>
+        <p:nvSpPr>
+          <p:cNvPr id="2" name="Titre 1"/>
+          <p:cNvSpPr>
+            <a:spLocks noGrp="1"/>
+          </p:cNvSpPr>
+          <p:nvPr>
+            <p:ph type="title"/>
+          </p:nvPr>
+        </p:nvSpPr>
+        <p:spPr/>
+        <p:txBody>
+          <a:bodyPr/>
+          <a:lstStyle/>
+          <a:p>
+            <a:r>
+              <a:rPr lang="fr-FR" dirty="0" err="1"/>
+              <a:t>Dependency</a:t>
+            </a:r>
+            <a:r>
+              <a:rPr lang="fr-FR" dirty="0"/>
+              <a:t> Inversion </a:t>
+            </a:r>
+            <a:r>
+              <a:rPr lang="fr-FR" dirty="0" err="1"/>
+              <a:t>principle</a:t>
+            </a:r>
+            <a:endParaRPr lang="fr-FR" dirty="0"/>
+          </a:p>
+        </p:txBody>
+      </p:sp>
+      <p:sp>
+        <p:nvSpPr>
+          <p:cNvPr id="3" name="Espace réservé du contenu 2"/>
+          <p:cNvSpPr>
+            <a:spLocks noGrp="1"/>
+          </p:cNvSpPr>
+          <p:nvPr>
+            <p:ph idx="1"/>
+          </p:nvPr>
+        </p:nvSpPr>
+        <p:spPr>
+          <a:xfrm>
+            <a:off x="1097280" y="1845734"/>
+            <a:ext cx="10058400" cy="4023360"/>
+          </a:xfrm>
+        </p:spPr>
+        <p:txBody>
+          <a:bodyPr/>
+          <a:lstStyle/>
+          <a:p>
+            <a:pPr>
+              <a:buFont typeface="Arial" panose="020B0604020202020204" pitchFamily="34" charset="0"/>
+              <a:buChar char="•"/>
+            </a:pPr>
+            <a:r>
+              <a:rPr lang="en-US" dirty="0"/>
+              <a:t> Les modules de </a:t>
+            </a:r>
+            <a:r>
+              <a:rPr lang="en-US" dirty="0" err="1"/>
+              <a:t>haut</a:t>
+            </a:r>
+            <a:r>
+              <a:rPr lang="en-US" dirty="0"/>
+              <a:t> </a:t>
+            </a:r>
+            <a:r>
+              <a:rPr lang="en-US" dirty="0" err="1"/>
+              <a:t>niveau</a:t>
+            </a:r>
+            <a:r>
+              <a:rPr lang="en-US" dirty="0"/>
+              <a:t> ne </a:t>
+            </a:r>
+            <a:r>
+              <a:rPr lang="en-US" dirty="0" err="1"/>
+              <a:t>doivent</a:t>
+            </a:r>
+            <a:r>
+              <a:rPr lang="en-US" dirty="0"/>
+              <a:t> pas </a:t>
+            </a:r>
+            <a:r>
+              <a:rPr lang="en-US" dirty="0" err="1"/>
+              <a:t>dépendre</a:t>
+            </a:r>
+            <a:r>
+              <a:rPr lang="en-US" dirty="0"/>
+              <a:t> de modules de plus bas </a:t>
+            </a:r>
+            <a:r>
+              <a:rPr lang="en-US" dirty="0" err="1"/>
+              <a:t>niveau</a:t>
+            </a:r>
+            <a:r>
+              <a:rPr lang="en-US" dirty="0"/>
+              <a:t>, les </a:t>
+            </a:r>
+            <a:r>
+              <a:rPr lang="en-US" dirty="0" err="1"/>
+              <a:t>deux</a:t>
+            </a:r>
+            <a:r>
+              <a:rPr lang="en-US" dirty="0"/>
+              <a:t> </a:t>
+            </a:r>
+            <a:r>
+              <a:rPr lang="en-US" dirty="0" err="1"/>
+              <a:t>doivent</a:t>
+            </a:r>
+            <a:r>
+              <a:rPr lang="en-US" dirty="0"/>
+              <a:t> </a:t>
+            </a:r>
+            <a:r>
+              <a:rPr lang="en-US" dirty="0" err="1"/>
+              <a:t>dépendre</a:t>
+            </a:r>
+            <a:r>
+              <a:rPr lang="en-US" dirty="0"/>
+              <a:t> </a:t>
+            </a:r>
+            <a:r>
+              <a:rPr lang="en-US" dirty="0" err="1"/>
+              <a:t>d’abstraction</a:t>
+            </a:r>
+            <a:r>
+              <a:rPr lang="en-US" dirty="0"/>
+              <a:t>.</a:t>
+            </a:r>
+          </a:p>
+          <a:p>
+            <a:pPr>
+              <a:buFont typeface="Arial" panose="020B0604020202020204" pitchFamily="34" charset="0"/>
+              <a:buChar char="•"/>
+            </a:pPr>
+            <a:r>
+              <a:rPr lang="en-US" dirty="0"/>
+              <a:t> Les abstractions ne </a:t>
+            </a:r>
+            <a:r>
+              <a:rPr lang="en-US" dirty="0" err="1"/>
+              <a:t>doivent</a:t>
+            </a:r>
+            <a:r>
+              <a:rPr lang="en-US" dirty="0"/>
+              <a:t> pas </a:t>
+            </a:r>
+            <a:r>
+              <a:rPr lang="en-US" dirty="0" err="1"/>
+              <a:t>dépendre</a:t>
+            </a:r>
+            <a:r>
+              <a:rPr lang="en-US" dirty="0"/>
+              <a:t> des </a:t>
+            </a:r>
+            <a:r>
+              <a:rPr lang="en-US" dirty="0" err="1"/>
+              <a:t>détails</a:t>
+            </a:r>
+            <a:r>
+              <a:rPr lang="en-US" dirty="0"/>
+              <a:t>. Les details </a:t>
+            </a:r>
+            <a:r>
+              <a:rPr lang="en-US" dirty="0" err="1"/>
+              <a:t>doivent</a:t>
+            </a:r>
+            <a:r>
+              <a:rPr lang="en-US" dirty="0"/>
+              <a:t> </a:t>
+            </a:r>
+            <a:r>
+              <a:rPr lang="en-US" dirty="0" err="1"/>
+              <a:t>dépendre</a:t>
+            </a:r>
+            <a:r>
+              <a:rPr lang="en-US" dirty="0"/>
+              <a:t> des abstractions.</a:t>
+            </a:r>
+          </a:p>
+          <a:p>
+            <a:pPr>
+              <a:buFont typeface="Arial" panose="020B0604020202020204" pitchFamily="34" charset="0"/>
+              <a:buChar char="•"/>
+            </a:pPr>
+            <a:endParaRPr lang="en-US" dirty="0"/>
+          </a:p>
+          <a:p>
+            <a:pPr>
+              <a:buFont typeface="Arial" panose="020B0604020202020204" pitchFamily="34" charset="0"/>
+              <a:buChar char="•"/>
+            </a:pPr>
+            <a:r>
+              <a:rPr lang="fr-FR" dirty="0"/>
+              <a:t>Module de haut niveau: Plus métier que technique</a:t>
+            </a:r>
+            <a:br>
+              <a:rPr lang="fr-FR" dirty="0"/>
+            </a:br>
+            <a:r>
+              <a:rPr lang="fr-FR" dirty="0"/>
+              <a:t>Module de bas niveau: Plus technique que métier</a:t>
+            </a:r>
+            <a:endParaRPr lang="en-US" dirty="0"/>
+          </a:p>
+          <a:p>
+            <a:pPr>
+              <a:buFont typeface="Arial" panose="020B0604020202020204" pitchFamily="34" charset="0"/>
+              <a:buChar char="•"/>
+            </a:pPr>
+            <a:endParaRPr lang="en-US" dirty="0"/>
+          </a:p>
+          <a:p>
+            <a:pPr marL="0" indent="0">
+              <a:buNone/>
+            </a:pPr>
+            <a:endParaRPr lang="en-US" dirty="0"/>
+          </a:p>
+        </p:txBody>
+      </p:sp>
+    </p:spTree>
+    <p:extLst>
+      <p:ext uri="{BB962C8B-B14F-4D97-AF65-F5344CB8AC3E}">
+        <p14:creationId xmlns:p14="http://schemas.microsoft.com/office/powerpoint/2010/main" val="2777569191"/>
+      </p:ext>
+    </p:extLst>
+  </p:cSld>
+  <p:clrMapOvr>
+    <a:masterClrMapping/>
+  </p:clrMapOvr>
+</p:sld>
+</file>
+
+<file path=ppt/slides/slide7.xml><?xml version="1.0" encoding="utf-8"?>
 <p:sld xmlns:a="http://schemas.openxmlformats.org/drawingml/2006/main" xmlns:r="http://schemas.openxmlformats.org/officeDocument/2006/relationships" xmlns:p="http://schemas.openxmlformats.org/presentationml/2006/main">
   <p:cSld>
     <p:spTree>
@@ -4003,954 +5091,6 @@
 </p:sld>
 </file>
 
-<file path=ppt/slides/slide12.xml><?xml version="1.0" encoding="utf-8"?>
-<p:sld xmlns:a="http://schemas.openxmlformats.org/drawingml/2006/main" xmlns:r="http://schemas.openxmlformats.org/officeDocument/2006/relationships" xmlns:p="http://schemas.openxmlformats.org/presentationml/2006/main">
-  <p:cSld>
-    <p:spTree>
-      <p:nvGrpSpPr>
-        <p:cNvPr id="1" name=""/>
-        <p:cNvGrpSpPr/>
-        <p:nvPr/>
-      </p:nvGrpSpPr>
-      <p:grpSpPr>
-        <a:xfrm>
-          <a:off x="0" y="0"/>
-          <a:ext cx="0" cy="0"/>
-          <a:chOff x="0" y="0"/>
-          <a:chExt cx="0" cy="0"/>
-        </a:xfrm>
-      </p:grpSpPr>
-      <p:sp>
-        <p:nvSpPr>
-          <p:cNvPr id="2" name="Titre 1"/>
-          <p:cNvSpPr>
-            <a:spLocks noGrp="1"/>
-          </p:cNvSpPr>
-          <p:nvPr>
-            <p:ph type="title"/>
-          </p:nvPr>
-        </p:nvSpPr>
-        <p:spPr/>
-        <p:txBody>
-          <a:bodyPr/>
-          <a:lstStyle/>
-          <a:p>
-            <a:r>
-              <a:rPr lang="fr-FR" dirty="0"/>
-              <a:t>Démo</a:t>
-            </a:r>
-          </a:p>
-        </p:txBody>
-      </p:sp>
-      <p:sp>
-        <p:nvSpPr>
-          <p:cNvPr id="3" name="Espace réservé du texte 2"/>
-          <p:cNvSpPr>
-            <a:spLocks noGrp="1"/>
-          </p:cNvSpPr>
-          <p:nvPr>
-            <p:ph type="body" idx="1"/>
-          </p:nvPr>
-        </p:nvSpPr>
-        <p:spPr/>
-        <p:txBody>
-          <a:bodyPr/>
-          <a:lstStyle/>
-          <a:p>
-            <a:endParaRPr lang="fr-FR" dirty="0"/>
-          </a:p>
-        </p:txBody>
-      </p:sp>
-    </p:spTree>
-    <p:extLst>
-      <p:ext uri="{BB962C8B-B14F-4D97-AF65-F5344CB8AC3E}">
-        <p14:creationId xmlns:p14="http://schemas.microsoft.com/office/powerpoint/2010/main" val="3447694586"/>
-      </p:ext>
-    </p:extLst>
-  </p:cSld>
-  <p:clrMapOvr>
-    <a:masterClrMapping/>
-  </p:clrMapOvr>
-</p:sld>
-</file>
-
-<file path=ppt/slides/slide13.xml><?xml version="1.0" encoding="utf-8"?>
-<p:sld xmlns:a="http://schemas.openxmlformats.org/drawingml/2006/main" xmlns:r="http://schemas.openxmlformats.org/officeDocument/2006/relationships" xmlns:p="http://schemas.openxmlformats.org/presentationml/2006/main">
-  <p:cSld>
-    <p:spTree>
-      <p:nvGrpSpPr>
-        <p:cNvPr id="1" name=""/>
-        <p:cNvGrpSpPr/>
-        <p:nvPr/>
-      </p:nvGrpSpPr>
-      <p:grpSpPr>
-        <a:xfrm>
-          <a:off x="0" y="0"/>
-          <a:ext cx="0" cy="0"/>
-          <a:chOff x="0" y="0"/>
-          <a:chExt cx="0" cy="0"/>
-        </a:xfrm>
-      </p:grpSpPr>
-      <p:sp>
-        <p:nvSpPr>
-          <p:cNvPr id="2" name="Titre 1"/>
-          <p:cNvSpPr>
-            <a:spLocks noGrp="1"/>
-          </p:cNvSpPr>
-          <p:nvPr>
-            <p:ph type="title"/>
-          </p:nvPr>
-        </p:nvSpPr>
-        <p:spPr/>
-        <p:txBody>
-          <a:bodyPr/>
-          <a:lstStyle/>
-          <a:p>
-            <a:r>
-              <a:rPr lang="fr-FR" dirty="0"/>
-              <a:t>Sources</a:t>
-            </a:r>
-          </a:p>
-        </p:txBody>
-      </p:sp>
-      <p:sp>
-        <p:nvSpPr>
-          <p:cNvPr id="3" name="Espace réservé du contenu 2"/>
-          <p:cNvSpPr>
-            <a:spLocks noGrp="1"/>
-          </p:cNvSpPr>
-          <p:nvPr>
-            <p:ph idx="1"/>
-          </p:nvPr>
-        </p:nvSpPr>
-        <p:spPr/>
-        <p:txBody>
-          <a:bodyPr>
-            <a:normAutofit/>
-          </a:bodyPr>
-          <a:lstStyle/>
-          <a:p>
-            <a:r>
-              <a:rPr lang="fr-FR" dirty="0">
-                <a:hlinkClick r:id="rId2"/>
-              </a:rPr>
-              <a:t>http://enterprisecraftsmanship.com/2015/09/02/cohesion-coupling-difference/</a:t>
-            </a:r>
-            <a:br>
-              <a:rPr lang="fr-FR" dirty="0"/>
-            </a:br>
-            <a:r>
-              <a:rPr lang="fr-FR" dirty="0">
-                <a:hlinkClick r:id="rId3"/>
-              </a:rPr>
-              <a:t>http://blog.netapsys.fr/cohesion-couplage-12-2/</a:t>
-            </a:r>
-            <a:br>
-              <a:rPr lang="fr-FR" dirty="0"/>
-            </a:br>
-            <a:r>
-              <a:rPr lang="fr-FR" dirty="0">
-                <a:hlinkClick r:id="rId4"/>
-              </a:rPr>
-              <a:t>https://fr.wikipedia.org/wiki/Coh%C3%A9sion_(informatique)</a:t>
-            </a:r>
-            <a:br>
-              <a:rPr lang="fr-FR" dirty="0"/>
-            </a:br>
-            <a:r>
-              <a:rPr lang="fr-FR" dirty="0">
-                <a:hlinkClick r:id="rId5"/>
-              </a:rPr>
-              <a:t>https://fr.wikipedia.org/wiki/Couplage_(informatique)</a:t>
-            </a:r>
-            <a:endParaRPr lang="fr-FR" dirty="0"/>
-          </a:p>
-          <a:p>
-            <a:r>
-              <a:rPr lang="fr-FR" dirty="0">
-                <a:hlinkClick r:id="rId6"/>
-              </a:rPr>
-              <a:t>https://lostechies.com/derickbailey/2011/09/22/dependency-injection-is-not-the-same-as-the-dependency-inversion-principle/</a:t>
-            </a:r>
-            <a:endParaRPr lang="fr-FR" dirty="0"/>
-          </a:p>
-          <a:p>
-            <a:endParaRPr lang="fr-FR" dirty="0"/>
-          </a:p>
-          <a:p>
-            <a:endParaRPr lang="fr-FR" dirty="0"/>
-          </a:p>
-          <a:p>
-            <a:endParaRPr lang="fr-FR" dirty="0"/>
-          </a:p>
-          <a:p>
-            <a:endParaRPr lang="fr-FR" dirty="0"/>
-          </a:p>
-        </p:txBody>
-      </p:sp>
-    </p:spTree>
-    <p:extLst>
-      <p:ext uri="{BB962C8B-B14F-4D97-AF65-F5344CB8AC3E}">
-        <p14:creationId xmlns:p14="http://schemas.microsoft.com/office/powerpoint/2010/main" val="684659631"/>
-      </p:ext>
-    </p:extLst>
-  </p:cSld>
-  <p:clrMapOvr>
-    <a:masterClrMapping/>
-  </p:clrMapOvr>
-</p:sld>
-</file>
-
-<file path=ppt/slides/slide2.xml><?xml version="1.0" encoding="utf-8"?>
-<p:sld xmlns:a="http://schemas.openxmlformats.org/drawingml/2006/main" xmlns:r="http://schemas.openxmlformats.org/officeDocument/2006/relationships" xmlns:p="http://schemas.openxmlformats.org/presentationml/2006/main">
-  <p:cSld>
-    <p:spTree>
-      <p:nvGrpSpPr>
-        <p:cNvPr id="1" name=""/>
-        <p:cNvGrpSpPr/>
-        <p:nvPr/>
-      </p:nvGrpSpPr>
-      <p:grpSpPr>
-        <a:xfrm>
-          <a:off x="0" y="0"/>
-          <a:ext cx="0" cy="0"/>
-          <a:chOff x="0" y="0"/>
-          <a:chExt cx="0" cy="0"/>
-        </a:xfrm>
-      </p:grpSpPr>
-      <p:sp>
-        <p:nvSpPr>
-          <p:cNvPr id="2" name="Titre 1"/>
-          <p:cNvSpPr>
-            <a:spLocks noGrp="1"/>
-          </p:cNvSpPr>
-          <p:nvPr>
-            <p:ph type="title"/>
-          </p:nvPr>
-        </p:nvSpPr>
-        <p:spPr/>
-        <p:txBody>
-          <a:bodyPr/>
-          <a:lstStyle/>
-          <a:p>
-            <a:r>
-              <a:rPr lang="fr-FR" dirty="0"/>
-              <a:t>Cohésion</a:t>
-            </a:r>
-          </a:p>
-        </p:txBody>
-      </p:sp>
-      <p:sp>
-        <p:nvSpPr>
-          <p:cNvPr id="3" name="Espace réservé du contenu 2"/>
-          <p:cNvSpPr>
-            <a:spLocks noGrp="1"/>
-          </p:cNvSpPr>
-          <p:nvPr>
-            <p:ph idx="1"/>
-          </p:nvPr>
-        </p:nvSpPr>
-        <p:spPr/>
-        <p:txBody>
-          <a:bodyPr>
-            <a:normAutofit/>
-          </a:bodyPr>
-          <a:lstStyle/>
-          <a:p>
-            <a:r>
-              <a:rPr lang="fr-FR" dirty="0"/>
-              <a:t>« Représente un degré d'accord entre les différents éléments d'un module.</a:t>
-            </a:r>
-          </a:p>
-          <a:p>
-            <a:r>
-              <a:rPr lang="fr-FR" dirty="0"/>
-              <a:t>Un module cohérent a ses éléments étroitement liés et effectuant un nombre réduit d'opérations.</a:t>
-            </a:r>
-          </a:p>
-          <a:p>
-            <a:r>
-              <a:rPr lang="fr-FR" dirty="0"/>
-              <a:t>Des modules peu cohérents sont généralement difficiles à comprendre, à réutiliser et à maintenir, et sont fragiles, puisqu'ils sont affectés par les modifications apportées aux autres modules. », </a:t>
-            </a:r>
-            <a:r>
-              <a:rPr lang="fr-FR" dirty="0" err="1"/>
-              <a:t>Wikipedia</a:t>
-            </a:r>
-            <a:endParaRPr lang="fr-FR" dirty="0"/>
-          </a:p>
-        </p:txBody>
-      </p:sp>
-    </p:spTree>
-    <p:extLst>
-      <p:ext uri="{BB962C8B-B14F-4D97-AF65-F5344CB8AC3E}">
-        <p14:creationId xmlns:p14="http://schemas.microsoft.com/office/powerpoint/2010/main" val="2030170750"/>
-      </p:ext>
-    </p:extLst>
-  </p:cSld>
-  <p:clrMapOvr>
-    <a:masterClrMapping/>
-  </p:clrMapOvr>
-</p:sld>
-</file>
-
-<file path=ppt/slides/slide3.xml><?xml version="1.0" encoding="utf-8"?>
-<p:sld xmlns:a="http://schemas.openxmlformats.org/drawingml/2006/main" xmlns:r="http://schemas.openxmlformats.org/officeDocument/2006/relationships" xmlns:p="http://schemas.openxmlformats.org/presentationml/2006/main">
-  <p:cSld>
-    <p:spTree>
-      <p:nvGrpSpPr>
-        <p:cNvPr id="1" name=""/>
-        <p:cNvGrpSpPr/>
-        <p:nvPr/>
-      </p:nvGrpSpPr>
-      <p:grpSpPr>
-        <a:xfrm>
-          <a:off x="0" y="0"/>
-          <a:ext cx="0" cy="0"/>
-          <a:chOff x="0" y="0"/>
-          <a:chExt cx="0" cy="0"/>
-        </a:xfrm>
-      </p:grpSpPr>
-      <p:sp>
-        <p:nvSpPr>
-          <p:cNvPr id="2" name="Titre 1"/>
-          <p:cNvSpPr>
-            <a:spLocks noGrp="1"/>
-          </p:cNvSpPr>
-          <p:nvPr>
-            <p:ph type="title"/>
-          </p:nvPr>
-        </p:nvSpPr>
-        <p:spPr/>
-        <p:txBody>
-          <a:bodyPr/>
-          <a:lstStyle/>
-          <a:p>
-            <a:r>
-              <a:rPr lang="fr-FR" dirty="0"/>
-              <a:t>Couplage</a:t>
-            </a:r>
-          </a:p>
-        </p:txBody>
-      </p:sp>
-      <p:sp>
-        <p:nvSpPr>
-          <p:cNvPr id="3" name="Espace réservé du contenu 2"/>
-          <p:cNvSpPr>
-            <a:spLocks noGrp="1"/>
-          </p:cNvSpPr>
-          <p:nvPr>
-            <p:ph idx="1"/>
-          </p:nvPr>
-        </p:nvSpPr>
-        <p:spPr/>
-        <p:txBody>
-          <a:bodyPr/>
-          <a:lstStyle/>
-          <a:p>
-            <a:r>
-              <a:rPr lang="fr-FR" dirty="0"/>
-              <a:t>« Représente le niveau d'interaction entre deux ou plusieurs composants logiciels (fonctions, objets, modules ou applications).</a:t>
-            </a:r>
-          </a:p>
-          <a:p>
-            <a:r>
-              <a:rPr lang="fr-FR" dirty="0"/>
-              <a:t>Deux composants sont dits couplés s'ils échangent de l'information.</a:t>
-            </a:r>
-          </a:p>
-          <a:p>
-            <a:r>
-              <a:rPr lang="fr-FR" dirty="0"/>
-              <a:t>On parle de </a:t>
-            </a:r>
-            <a:r>
-              <a:rPr lang="fr-FR" b="1" dirty="0"/>
-              <a:t>couplage fort</a:t>
-            </a:r>
-            <a:r>
-              <a:rPr lang="fr-FR" dirty="0"/>
-              <a:t> ou </a:t>
-            </a:r>
-            <a:r>
-              <a:rPr lang="fr-FR" b="1" dirty="0"/>
-              <a:t>couplage serré</a:t>
-            </a:r>
-            <a:r>
-              <a:rPr lang="fr-FR" dirty="0"/>
-              <a:t> si les composants échangent beaucoup d'information.</a:t>
-            </a:r>
-          </a:p>
-          <a:p>
-            <a:r>
-              <a:rPr lang="fr-FR" dirty="0"/>
-              <a:t>On parle de </a:t>
-            </a:r>
-            <a:r>
-              <a:rPr lang="fr-FR" b="1" dirty="0"/>
-              <a:t>couplage faible</a:t>
-            </a:r>
-            <a:r>
-              <a:rPr lang="fr-FR" dirty="0"/>
-              <a:t>, </a:t>
-            </a:r>
-            <a:r>
-              <a:rPr lang="fr-FR" b="1" dirty="0"/>
-              <a:t>couplage léger</a:t>
-            </a:r>
-            <a:r>
-              <a:rPr lang="fr-FR" dirty="0"/>
-              <a:t> ou </a:t>
-            </a:r>
-            <a:r>
-              <a:rPr lang="fr-FR" b="1" dirty="0"/>
-              <a:t>couplage lâche</a:t>
-            </a:r>
-            <a:r>
-              <a:rPr lang="fr-FR" dirty="0"/>
-              <a:t> si les composants échangent peu d'information. », </a:t>
-            </a:r>
-            <a:r>
-              <a:rPr lang="fr-FR" dirty="0" err="1"/>
-              <a:t>Wikipedia</a:t>
-            </a:r>
-            <a:endParaRPr lang="fr-FR" dirty="0"/>
-          </a:p>
-        </p:txBody>
-      </p:sp>
-    </p:spTree>
-    <p:extLst>
-      <p:ext uri="{BB962C8B-B14F-4D97-AF65-F5344CB8AC3E}">
-        <p14:creationId xmlns:p14="http://schemas.microsoft.com/office/powerpoint/2010/main" val="1152923104"/>
-      </p:ext>
-    </p:extLst>
-  </p:cSld>
-  <p:clrMapOvr>
-    <a:masterClrMapping/>
-  </p:clrMapOvr>
-</p:sld>
-</file>
-
-<file path=ppt/slides/slide4.xml><?xml version="1.0" encoding="utf-8"?>
-<p:sld xmlns:a="http://schemas.openxmlformats.org/drawingml/2006/main" xmlns:r="http://schemas.openxmlformats.org/officeDocument/2006/relationships" xmlns:p="http://schemas.openxmlformats.org/presentationml/2006/main">
-  <p:cSld>
-    <p:spTree>
-      <p:nvGrpSpPr>
-        <p:cNvPr id="1" name=""/>
-        <p:cNvGrpSpPr/>
-        <p:nvPr/>
-      </p:nvGrpSpPr>
-      <p:grpSpPr>
-        <a:xfrm>
-          <a:off x="0" y="0"/>
-          <a:ext cx="0" cy="0"/>
-          <a:chOff x="0" y="0"/>
-          <a:chExt cx="0" cy="0"/>
-        </a:xfrm>
-      </p:grpSpPr>
-      <p:sp>
-        <p:nvSpPr>
-          <p:cNvPr id="2" name="Titre 1"/>
-          <p:cNvSpPr>
-            <a:spLocks noGrp="1"/>
-          </p:cNvSpPr>
-          <p:nvPr>
-            <p:ph type="title"/>
-          </p:nvPr>
-        </p:nvSpPr>
-        <p:spPr/>
-        <p:txBody>
-          <a:bodyPr/>
-          <a:lstStyle/>
-          <a:p>
-            <a:r>
-              <a:rPr lang="fr-FR" dirty="0"/>
-              <a:t>Relations cohésion/couplage</a:t>
-            </a:r>
-          </a:p>
-        </p:txBody>
-      </p:sp>
-      <p:pic>
-        <p:nvPicPr>
-          <p:cNvPr id="4" name="Picture 2" descr="Cohesion coupling difference: types of code from a cohesion and coupling perspective"/>
-          <p:cNvPicPr>
-            <a:picLocks noGrp="1" noChangeAspect="1" noChangeArrowheads="1"/>
-          </p:cNvPicPr>
-          <p:nvPr>
-            <p:ph idx="1"/>
-          </p:nvPr>
-        </p:nvPicPr>
-        <p:blipFill>
-          <a:blip r:embed="rId2">
-            <a:extLst>
-              <a:ext uri="{28A0092B-C50C-407E-A947-70E740481C1C}">
-                <a14:useLocalDpi xmlns:a14="http://schemas.microsoft.com/office/drawing/2010/main" val="0"/>
-              </a:ext>
-            </a:extLst>
-          </a:blip>
-          <a:srcRect/>
-          <a:stretch>
-            <a:fillRect/>
-          </a:stretch>
-        </p:blipFill>
-        <p:spPr bwMode="auto">
-          <a:xfrm>
-            <a:off x="3874584" y="1846263"/>
-            <a:ext cx="4503158" cy="4022725"/>
-          </a:xfrm>
-          <a:prstGeom prst="rect">
-            <a:avLst/>
-          </a:prstGeom>
-          <a:noFill/>
-          <a:extLst>
-            <a:ext uri="{909E8E84-426E-40DD-AFC4-6F175D3DCCD1}">
-              <a14:hiddenFill xmlns:a14="http://schemas.microsoft.com/office/drawing/2010/main">
-                <a:solidFill>
-                  <a:srgbClr val="FFFFFF"/>
-                </a:solidFill>
-              </a14:hiddenFill>
-            </a:ext>
-          </a:extLst>
-        </p:spPr>
-      </p:pic>
-    </p:spTree>
-    <p:extLst>
-      <p:ext uri="{BB962C8B-B14F-4D97-AF65-F5344CB8AC3E}">
-        <p14:creationId xmlns:p14="http://schemas.microsoft.com/office/powerpoint/2010/main" val="2205205758"/>
-      </p:ext>
-    </p:extLst>
-  </p:cSld>
-  <p:clrMapOvr>
-    <a:masterClrMapping/>
-  </p:clrMapOvr>
-</p:sld>
-</file>
-
-<file path=ppt/slides/slide5.xml><?xml version="1.0" encoding="utf-8"?>
-<p:sld xmlns:a="http://schemas.openxmlformats.org/drawingml/2006/main" xmlns:r="http://schemas.openxmlformats.org/officeDocument/2006/relationships" xmlns:p="http://schemas.openxmlformats.org/presentationml/2006/main">
-  <p:cSld>
-    <p:spTree>
-      <p:nvGrpSpPr>
-        <p:cNvPr id="1" name=""/>
-        <p:cNvGrpSpPr/>
-        <p:nvPr/>
-      </p:nvGrpSpPr>
-      <p:grpSpPr>
-        <a:xfrm>
-          <a:off x="0" y="0"/>
-          <a:ext cx="0" cy="0"/>
-          <a:chOff x="0" y="0"/>
-          <a:chExt cx="0" cy="0"/>
-        </a:xfrm>
-      </p:grpSpPr>
-      <p:sp>
-        <p:nvSpPr>
-          <p:cNvPr id="2" name="Titre 1"/>
-          <p:cNvSpPr>
-            <a:spLocks noGrp="1"/>
-          </p:cNvSpPr>
-          <p:nvPr>
-            <p:ph type="title"/>
-          </p:nvPr>
-        </p:nvSpPr>
-        <p:spPr/>
-        <p:txBody>
-          <a:bodyPr/>
-          <a:lstStyle/>
-          <a:p>
-            <a:r>
-              <a:rPr lang="fr-FR" dirty="0"/>
-              <a:t>Idéal</a:t>
-            </a:r>
-          </a:p>
-        </p:txBody>
-      </p:sp>
-      <p:pic>
-        <p:nvPicPr>
-          <p:cNvPr id="2050" name="Picture 2" descr="Cohesion coupling difference: Ideal"/>
-          <p:cNvPicPr>
-            <a:picLocks noChangeAspect="1" noChangeArrowheads="1"/>
-          </p:cNvPicPr>
-          <p:nvPr/>
-        </p:nvPicPr>
-        <p:blipFill>
-          <a:blip r:embed="rId2">
-            <a:extLst>
-              <a:ext uri="{28A0092B-C50C-407E-A947-70E740481C1C}">
-                <a14:useLocalDpi xmlns:a14="http://schemas.microsoft.com/office/drawing/2010/main" val="0"/>
-              </a:ext>
-            </a:extLst>
-          </a:blip>
-          <a:srcRect/>
-          <a:stretch>
-            <a:fillRect/>
-          </a:stretch>
-        </p:blipFill>
-        <p:spPr bwMode="auto">
-          <a:xfrm>
-            <a:off x="4388795" y="2091447"/>
-            <a:ext cx="3200400" cy="3200400"/>
-          </a:xfrm>
-          <a:prstGeom prst="rect">
-            <a:avLst/>
-          </a:prstGeom>
-          <a:noFill/>
-          <a:extLst>
-            <a:ext uri="{909E8E84-426E-40DD-AFC4-6F175D3DCCD1}">
-              <a14:hiddenFill xmlns:a14="http://schemas.microsoft.com/office/drawing/2010/main">
-                <a:solidFill>
-                  <a:srgbClr val="FFFFFF"/>
-                </a:solidFill>
-              </a14:hiddenFill>
-            </a:ext>
-          </a:extLst>
-        </p:spPr>
-      </p:pic>
-      <p:pic>
-        <p:nvPicPr>
-          <p:cNvPr id="6" name="Picture 2" descr="Cohesion coupling difference: Ideal"/>
-          <p:cNvPicPr>
-            <a:picLocks noGrp="1" noChangeAspect="1" noChangeArrowheads="1"/>
-          </p:cNvPicPr>
-          <p:nvPr>
-            <p:ph idx="1"/>
-          </p:nvPr>
-        </p:nvPicPr>
-        <p:blipFill>
-          <a:blip r:embed="rId2">
-            <a:extLst>
-              <a:ext uri="{28A0092B-C50C-407E-A947-70E740481C1C}">
-                <a14:useLocalDpi xmlns:a14="http://schemas.microsoft.com/office/drawing/2010/main" val="0"/>
-              </a:ext>
-            </a:extLst>
-          </a:blip>
-          <a:srcRect/>
-          <a:stretch>
-            <a:fillRect/>
-          </a:stretch>
-        </p:blipFill>
-        <p:spPr bwMode="auto">
-          <a:xfrm>
-            <a:off x="4114800" y="1846263"/>
-            <a:ext cx="4022725" cy="4022725"/>
-          </a:xfrm>
-          <a:prstGeom prst="rect">
-            <a:avLst/>
-          </a:prstGeom>
-          <a:noFill/>
-          <a:extLst>
-            <a:ext uri="{909E8E84-426E-40DD-AFC4-6F175D3DCCD1}">
-              <a14:hiddenFill xmlns:a14="http://schemas.microsoft.com/office/drawing/2010/main">
-                <a:solidFill>
-                  <a:srgbClr val="FFFFFF"/>
-                </a:solidFill>
-              </a14:hiddenFill>
-            </a:ext>
-          </a:extLst>
-        </p:spPr>
-      </p:pic>
-    </p:spTree>
-    <p:extLst>
-      <p:ext uri="{BB962C8B-B14F-4D97-AF65-F5344CB8AC3E}">
-        <p14:creationId xmlns:p14="http://schemas.microsoft.com/office/powerpoint/2010/main" val="4139415941"/>
-      </p:ext>
-    </p:extLst>
-  </p:cSld>
-  <p:clrMapOvr>
-    <a:masterClrMapping/>
-  </p:clrMapOvr>
-</p:sld>
-</file>
-
-<file path=ppt/slides/slide6.xml><?xml version="1.0" encoding="utf-8"?>
-<p:sld xmlns:a="http://schemas.openxmlformats.org/drawingml/2006/main" xmlns:r="http://schemas.openxmlformats.org/officeDocument/2006/relationships" xmlns:p="http://schemas.openxmlformats.org/presentationml/2006/main">
-  <p:cSld>
-    <p:spTree>
-      <p:nvGrpSpPr>
-        <p:cNvPr id="1" name=""/>
-        <p:cNvGrpSpPr/>
-        <p:nvPr/>
-      </p:nvGrpSpPr>
-      <p:grpSpPr>
-        <a:xfrm>
-          <a:off x="0" y="0"/>
-          <a:ext cx="0" cy="0"/>
-          <a:chOff x="0" y="0"/>
-          <a:chExt cx="0" cy="0"/>
-        </a:xfrm>
-      </p:grpSpPr>
-      <p:sp>
-        <p:nvSpPr>
-          <p:cNvPr id="2" name="Titre 1"/>
-          <p:cNvSpPr>
-            <a:spLocks noGrp="1"/>
-          </p:cNvSpPr>
-          <p:nvPr>
-            <p:ph type="title"/>
-          </p:nvPr>
-        </p:nvSpPr>
-        <p:spPr/>
-        <p:txBody>
-          <a:bodyPr/>
-          <a:lstStyle/>
-          <a:p>
-            <a:r>
-              <a:rPr lang="fr-FR" dirty="0" err="1"/>
-              <a:t>God</a:t>
-            </a:r>
-            <a:r>
-              <a:rPr lang="fr-FR" dirty="0"/>
-              <a:t> </a:t>
-            </a:r>
-            <a:r>
-              <a:rPr lang="fr-FR" dirty="0" err="1"/>
-              <a:t>object</a:t>
-            </a:r>
-            <a:r>
-              <a:rPr lang="fr-FR" dirty="0"/>
-              <a:t> (plat de spaghetti)</a:t>
-            </a:r>
-          </a:p>
-        </p:txBody>
-      </p:sp>
-      <p:pic>
-        <p:nvPicPr>
-          <p:cNvPr id="2050" name="Picture 2" descr="Cohesion coupling difference: Ideal"/>
-          <p:cNvPicPr>
-            <a:picLocks noChangeAspect="1" noChangeArrowheads="1"/>
-          </p:cNvPicPr>
-          <p:nvPr/>
-        </p:nvPicPr>
-        <p:blipFill>
-          <a:blip r:embed="rId2">
-            <a:extLst>
-              <a:ext uri="{28A0092B-C50C-407E-A947-70E740481C1C}">
-                <a14:useLocalDpi xmlns:a14="http://schemas.microsoft.com/office/drawing/2010/main" val="0"/>
-              </a:ext>
-            </a:extLst>
-          </a:blip>
-          <a:srcRect/>
-          <a:stretch>
-            <a:fillRect/>
-          </a:stretch>
-        </p:blipFill>
-        <p:spPr bwMode="auto">
-          <a:xfrm>
-            <a:off x="4388795" y="2091447"/>
-            <a:ext cx="3200400" cy="3200400"/>
-          </a:xfrm>
-          <a:prstGeom prst="rect">
-            <a:avLst/>
-          </a:prstGeom>
-          <a:noFill/>
-          <a:extLst>
-            <a:ext uri="{909E8E84-426E-40DD-AFC4-6F175D3DCCD1}">
-              <a14:hiddenFill xmlns:a14="http://schemas.microsoft.com/office/drawing/2010/main">
-                <a:solidFill>
-                  <a:srgbClr val="FFFFFF"/>
-                </a:solidFill>
-              </a14:hiddenFill>
-            </a:ext>
-          </a:extLst>
-        </p:spPr>
-      </p:pic>
-      <p:pic>
-        <p:nvPicPr>
-          <p:cNvPr id="5124" name="Picture 4" descr="Cohesion coupling difference: God Object"/>
-          <p:cNvPicPr>
-            <a:picLocks noGrp="1" noChangeAspect="1" noChangeArrowheads="1"/>
-          </p:cNvPicPr>
-          <p:nvPr>
-            <p:ph idx="1"/>
-          </p:nvPr>
-        </p:nvPicPr>
-        <p:blipFill>
-          <a:blip r:embed="rId3">
-            <a:extLst>
-              <a:ext uri="{28A0092B-C50C-407E-A947-70E740481C1C}">
-                <a14:useLocalDpi xmlns:a14="http://schemas.microsoft.com/office/drawing/2010/main" val="0"/>
-              </a:ext>
-            </a:extLst>
-          </a:blip>
-          <a:srcRect/>
-          <a:stretch>
-            <a:fillRect/>
-          </a:stretch>
-        </p:blipFill>
-        <p:spPr bwMode="auto">
-          <a:xfrm>
-            <a:off x="4114800" y="1846263"/>
-            <a:ext cx="4022725" cy="4022725"/>
-          </a:xfrm>
-          <a:prstGeom prst="rect">
-            <a:avLst/>
-          </a:prstGeom>
-          <a:noFill/>
-          <a:extLst>
-            <a:ext uri="{909E8E84-426E-40DD-AFC4-6F175D3DCCD1}">
-              <a14:hiddenFill xmlns:a14="http://schemas.microsoft.com/office/drawing/2010/main">
-                <a:solidFill>
-                  <a:srgbClr val="FFFFFF"/>
-                </a:solidFill>
-              </a14:hiddenFill>
-            </a:ext>
-          </a:extLst>
-        </p:spPr>
-      </p:pic>
-    </p:spTree>
-    <p:extLst>
-      <p:ext uri="{BB962C8B-B14F-4D97-AF65-F5344CB8AC3E}">
-        <p14:creationId xmlns:p14="http://schemas.microsoft.com/office/powerpoint/2010/main" val="1830415665"/>
-      </p:ext>
-    </p:extLst>
-  </p:cSld>
-  <p:clrMapOvr>
-    <a:masterClrMapping/>
-  </p:clrMapOvr>
-</p:sld>
-</file>
-
-<file path=ppt/slides/slide7.xml><?xml version="1.0" encoding="utf-8"?>
-<p:sld xmlns:a="http://schemas.openxmlformats.org/drawingml/2006/main" xmlns:r="http://schemas.openxmlformats.org/officeDocument/2006/relationships" xmlns:p="http://schemas.openxmlformats.org/presentationml/2006/main">
-  <p:cSld>
-    <p:spTree>
-      <p:nvGrpSpPr>
-        <p:cNvPr id="1" name=""/>
-        <p:cNvGrpSpPr/>
-        <p:nvPr/>
-      </p:nvGrpSpPr>
-      <p:grpSpPr>
-        <a:xfrm>
-          <a:off x="0" y="0"/>
-          <a:ext cx="0" cy="0"/>
-          <a:chOff x="0" y="0"/>
-          <a:chExt cx="0" cy="0"/>
-        </a:xfrm>
-      </p:grpSpPr>
-      <p:sp>
-        <p:nvSpPr>
-          <p:cNvPr id="2" name="Titre 1"/>
-          <p:cNvSpPr>
-            <a:spLocks noGrp="1"/>
-          </p:cNvSpPr>
-          <p:nvPr>
-            <p:ph type="title"/>
-          </p:nvPr>
-        </p:nvSpPr>
-        <p:spPr/>
-        <p:txBody>
-          <a:bodyPr/>
-          <a:lstStyle/>
-          <a:p>
-            <a:r>
-              <a:rPr lang="fr-FR" dirty="0"/>
-              <a:t>Destructive </a:t>
-            </a:r>
-            <a:r>
-              <a:rPr lang="fr-FR" dirty="0" err="1"/>
-              <a:t>decoupling</a:t>
-            </a:r>
-            <a:endParaRPr lang="fr-FR" dirty="0"/>
-          </a:p>
-        </p:txBody>
-      </p:sp>
-      <p:pic>
-        <p:nvPicPr>
-          <p:cNvPr id="2050" name="Picture 2" descr="Cohesion coupling difference: Ideal"/>
-          <p:cNvPicPr>
-            <a:picLocks noChangeAspect="1" noChangeArrowheads="1"/>
-          </p:cNvPicPr>
-          <p:nvPr/>
-        </p:nvPicPr>
-        <p:blipFill>
-          <a:blip r:embed="rId2">
-            <a:extLst>
-              <a:ext uri="{28A0092B-C50C-407E-A947-70E740481C1C}">
-                <a14:useLocalDpi xmlns:a14="http://schemas.microsoft.com/office/drawing/2010/main" val="0"/>
-              </a:ext>
-            </a:extLst>
-          </a:blip>
-          <a:srcRect/>
-          <a:stretch>
-            <a:fillRect/>
-          </a:stretch>
-        </p:blipFill>
-        <p:spPr bwMode="auto">
-          <a:xfrm>
-            <a:off x="4388795" y="2091447"/>
-            <a:ext cx="3200400" cy="3200400"/>
-          </a:xfrm>
-          <a:prstGeom prst="rect">
-            <a:avLst/>
-          </a:prstGeom>
-          <a:noFill/>
-          <a:extLst>
-            <a:ext uri="{909E8E84-426E-40DD-AFC4-6F175D3DCCD1}">
-              <a14:hiddenFill xmlns:a14="http://schemas.microsoft.com/office/drawing/2010/main">
-                <a:solidFill>
-                  <a:srgbClr val="FFFFFF"/>
-                </a:solidFill>
-              </a14:hiddenFill>
-            </a:ext>
-          </a:extLst>
-        </p:spPr>
-      </p:pic>
-      <p:pic>
-        <p:nvPicPr>
-          <p:cNvPr id="7170" name="Picture 2" descr="Cohesion coupling difference: Destructive Decoupling"/>
-          <p:cNvPicPr>
-            <a:picLocks noGrp="1" noChangeAspect="1" noChangeArrowheads="1"/>
-          </p:cNvPicPr>
-          <p:nvPr>
-            <p:ph idx="1"/>
-          </p:nvPr>
-        </p:nvPicPr>
-        <p:blipFill>
-          <a:blip r:embed="rId3">
-            <a:extLst>
-              <a:ext uri="{28A0092B-C50C-407E-A947-70E740481C1C}">
-                <a14:useLocalDpi xmlns:a14="http://schemas.microsoft.com/office/drawing/2010/main" val="0"/>
-              </a:ext>
-            </a:extLst>
-          </a:blip>
-          <a:srcRect/>
-          <a:stretch>
-            <a:fillRect/>
-          </a:stretch>
-        </p:blipFill>
-        <p:spPr bwMode="auto">
-          <a:xfrm>
-            <a:off x="4114800" y="1846263"/>
-            <a:ext cx="4022725" cy="4022725"/>
-          </a:xfrm>
-          <a:prstGeom prst="rect">
-            <a:avLst/>
-          </a:prstGeom>
-          <a:noFill/>
-          <a:extLst>
-            <a:ext uri="{909E8E84-426E-40DD-AFC4-6F175D3DCCD1}">
-              <a14:hiddenFill xmlns:a14="http://schemas.microsoft.com/office/drawing/2010/main">
-                <a:solidFill>
-                  <a:srgbClr val="FFFFFF"/>
-                </a:solidFill>
-              </a14:hiddenFill>
-            </a:ext>
-          </a:extLst>
-        </p:spPr>
-      </p:pic>
-    </p:spTree>
-    <p:extLst>
-      <p:ext uri="{BB962C8B-B14F-4D97-AF65-F5344CB8AC3E}">
-        <p14:creationId xmlns:p14="http://schemas.microsoft.com/office/powerpoint/2010/main" val="2253464447"/>
-      </p:ext>
-    </p:extLst>
-  </p:cSld>
-  <p:clrMapOvr>
-    <a:masterClrMapping/>
-  </p:clrMapOvr>
-</p:sld>
-</file>
-
 <file path=ppt/slides/slide8.xml><?xml version="1.0" encoding="utf-8"?>
 <p:sld xmlns:a="http://schemas.openxmlformats.org/drawingml/2006/main" xmlns:r="http://schemas.openxmlformats.org/officeDocument/2006/relationships" xmlns:p="http://schemas.openxmlformats.org/presentationml/2006/main">
   <p:cSld>
@@ -4984,47 +5124,35 @@
           <a:lstStyle/>
           <a:p>
             <a:r>
-              <a:rPr lang="fr-FR" dirty="0" err="1"/>
-              <a:t>Dependency</a:t>
-            </a:r>
-            <a:r>
               <a:rPr lang="fr-FR" dirty="0"/>
-              <a:t> Inversion</a:t>
-            </a:r>
-            <a:br>
-              <a:rPr lang="fr-FR" dirty="0"/>
-            </a:br>
-            <a:r>
-              <a:rPr lang="fr-FR" dirty="0" err="1"/>
-              <a:t>Principle</a:t>
-            </a:r>
+              <a:t>Démo</a:t>
+            </a:r>
+          </a:p>
+        </p:txBody>
+      </p:sp>
+      <p:sp>
+        <p:nvSpPr>
+          <p:cNvPr id="3" name="Espace réservé du texte 2"/>
+          <p:cNvSpPr>
+            <a:spLocks noGrp="1"/>
+          </p:cNvSpPr>
+          <p:nvPr>
+            <p:ph type="body" idx="1"/>
+          </p:nvPr>
+        </p:nvSpPr>
+        <p:spPr/>
+        <p:txBody>
+          <a:bodyPr/>
+          <a:lstStyle/>
+          <a:p>
             <a:endParaRPr lang="fr-FR" dirty="0"/>
-          </a:p>
-        </p:txBody>
-      </p:sp>
-      <p:sp>
-        <p:nvSpPr>
-          <p:cNvPr id="3" name="Espace réservé du texte 2"/>
-          <p:cNvSpPr>
-            <a:spLocks noGrp="1"/>
-          </p:cNvSpPr>
-          <p:nvPr>
-            <p:ph type="body" idx="1"/>
-          </p:nvPr>
-        </p:nvSpPr>
-        <p:spPr/>
-        <p:txBody>
-          <a:bodyPr/>
-          <a:lstStyle/>
-          <a:p>
-            <a:endParaRPr lang="en-US" dirty="0"/>
           </a:p>
         </p:txBody>
       </p:sp>
     </p:spTree>
     <p:extLst>
       <p:ext uri="{BB962C8B-B14F-4D97-AF65-F5344CB8AC3E}">
-        <p14:creationId xmlns:p14="http://schemas.microsoft.com/office/powerpoint/2010/main" val="825020337"/>
+        <p14:creationId xmlns:p14="http://schemas.microsoft.com/office/powerpoint/2010/main" val="3447694586"/>
       </p:ext>
     </p:extLst>
   </p:cSld>
@@ -5067,72 +5195,127 @@
           <a:lstStyle/>
           <a:p>
             <a:r>
-              <a:rPr lang="fr-FR" dirty="0" err="1"/>
-              <a:t>Dependency</a:t>
-            </a:r>
-            <a:r>
               <a:rPr lang="fr-FR" dirty="0"/>
-              <a:t> Inversion </a:t>
-            </a:r>
-            <a:r>
-              <a:rPr lang="fr-FR" dirty="0" err="1"/>
-              <a:t>principle</a:t>
+              <a:t>Sources</a:t>
+            </a:r>
+          </a:p>
+        </p:txBody>
+      </p:sp>
+      <p:sp>
+        <p:nvSpPr>
+          <p:cNvPr id="3" name="Espace réservé du contenu 2"/>
+          <p:cNvSpPr>
+            <a:spLocks noGrp="1"/>
+          </p:cNvSpPr>
+          <p:nvPr>
+            <p:ph idx="1"/>
+          </p:nvPr>
+        </p:nvSpPr>
+        <p:spPr/>
+        <p:txBody>
+          <a:bodyPr>
+            <a:normAutofit/>
+          </a:bodyPr>
+          <a:lstStyle/>
+          <a:p>
+            <a:r>
+              <a:rPr lang="fr-FR" dirty="0">
+                <a:hlinkClick r:id="rId2"/>
+              </a:rPr>
+              <a:t>http://enterprisecraftsmanship.com/2015/09/02/cohesion-coupling-difference/</a:t>
+            </a:r>
+            <a:br>
+              <a:rPr lang="fr-FR" dirty="0"/>
+            </a:br>
+            <a:r>
+              <a:rPr lang="fr-FR" dirty="0">
+                <a:hlinkClick r:id="rId3"/>
+              </a:rPr>
+              <a:t>http://www.infoworld.com/article/2949579/application-architecture/design-for-change-coupling-and-cohesion-in-object-oriented-systems.html</a:t>
+            </a:r>
+            <a:br>
+              <a:rPr lang="fr-FR" dirty="0"/>
+            </a:br>
+            <a:r>
+              <a:rPr lang="fr-FR" dirty="0">
+                <a:hlinkClick r:id="rId4"/>
+              </a:rPr>
+              <a:t>https://thebojan.ninja/2015/04/08/high-cohesion-loose-coupling/</a:t>
+            </a:r>
+            <a:br>
+              <a:rPr lang="fr-FR" dirty="0"/>
+            </a:br>
+            <a:r>
+              <a:rPr lang="fr-FR" dirty="0">
+                <a:hlinkClick r:id="rId5"/>
+              </a:rPr>
+              <a:t>http://www.xyzws.com/scjp/SGS11/5/2</a:t>
             </a:r>
             <a:endParaRPr lang="fr-FR" dirty="0"/>
           </a:p>
-        </p:txBody>
-      </p:sp>
-      <p:sp>
-        <p:nvSpPr>
-          <p:cNvPr id="3" name="Espace réservé du contenu 2"/>
-          <p:cNvSpPr>
-            <a:spLocks noGrp="1"/>
-          </p:cNvSpPr>
-          <p:nvPr>
-            <p:ph idx="1"/>
-          </p:nvPr>
-        </p:nvSpPr>
-        <p:spPr>
-          <a:xfrm>
-            <a:off x="1097280" y="1845734"/>
-            <a:ext cx="10058400" cy="4023360"/>
-          </a:xfrm>
-        </p:spPr>
-        <p:txBody>
-          <a:bodyPr/>
-          <a:lstStyle/>
-          <a:p>
-            <a:pPr>
-              <a:buFont typeface="Arial" panose="020B0604020202020204" pitchFamily="34" charset="0"/>
-              <a:buChar char="•"/>
-            </a:pPr>
-            <a:r>
-              <a:rPr lang="en-US" dirty="0"/>
-              <a:t> High-level modules should not depend on low-level modules. Both should depend on abstractions.</a:t>
-            </a:r>
-          </a:p>
-          <a:p>
-            <a:pPr>
-              <a:buFont typeface="Arial" panose="020B0604020202020204" pitchFamily="34" charset="0"/>
-              <a:buChar char="•"/>
-            </a:pPr>
-            <a:r>
-              <a:rPr lang="en-US" dirty="0"/>
-              <a:t> Abstractions should not depend upon details. Details should depend upon abstractions.</a:t>
-            </a:r>
-          </a:p>
-          <a:p>
-            <a:pPr marL="0" indent="0">
-              <a:buNone/>
-            </a:pPr>
-            <a:endParaRPr lang="en-US" dirty="0"/>
+          <a:p>
+            <a:r>
+              <a:rPr lang="fr-FR" dirty="0">
+                <a:hlinkClick r:id="rId6"/>
+              </a:rPr>
+              <a:t>https://lostechies.com/derickbailey/2011/09/22/dependency-injection-is-not-the-same-as-the-dependency-inversion-principle/</a:t>
+            </a:r>
+            <a:endParaRPr lang="fr-FR" dirty="0"/>
+          </a:p>
+          <a:p>
+            <a:r>
+              <a:rPr lang="fr-FR">
+                <a:hlinkClick r:id="rId7"/>
+              </a:rPr>
+              <a:t>http</a:t>
+            </a:r>
+            <a:r>
+              <a:rPr lang="fr-FR" dirty="0">
+                <a:hlinkClick r:id="rId7"/>
+              </a:rPr>
+              <a:t>://blog.ploeh.dk/2010/02/03/ServiceLocatorisanAnti-Pattern/</a:t>
+            </a:r>
+            <a:br>
+              <a:rPr lang="fr-FR" dirty="0"/>
+            </a:br>
+            <a:r>
+              <a:rPr lang="fr-FR" dirty="0">
+                <a:hlinkClick r:id="rId8"/>
+              </a:rPr>
+              <a:t>http://blog.ploeh.dk/2014/05/15/service-locator-violates-solid/</a:t>
+            </a:r>
+            <a:br>
+              <a:rPr lang="fr-FR" dirty="0"/>
+            </a:br>
+            <a:r>
+              <a:rPr lang="fr-FR" dirty="0">
+                <a:hlinkClick r:id="rId9"/>
+              </a:rPr>
+              <a:t>http://blog.ploeh.dk/2015/10/26/service-locator-violates-encapsulation/</a:t>
+            </a:r>
+            <a:endParaRPr lang="fr-FR" dirty="0"/>
+          </a:p>
+          <a:p>
+            <a:br>
+              <a:rPr lang="fr-FR" dirty="0"/>
+            </a:br>
+            <a:endParaRPr lang="fr-FR" dirty="0"/>
+          </a:p>
+          <a:p>
+            <a:endParaRPr lang="fr-FR" dirty="0"/>
+          </a:p>
+          <a:p>
+            <a:endParaRPr lang="fr-FR" dirty="0"/>
+          </a:p>
+          <a:p>
+            <a:endParaRPr lang="fr-FR" dirty="0"/>
           </a:p>
         </p:txBody>
       </p:sp>
     </p:spTree>
     <p:extLst>
       <p:ext uri="{BB962C8B-B14F-4D97-AF65-F5344CB8AC3E}">
-        <p14:creationId xmlns:p14="http://schemas.microsoft.com/office/powerpoint/2010/main" val="2777569191"/>
+        <p14:creationId xmlns:p14="http://schemas.microsoft.com/office/powerpoint/2010/main" val="684659631"/>
       </p:ext>
     </p:extLst>
   </p:cSld>

--- a/SOLID - 4 DIP.pptx
+++ b/SOLID - 4 DIP.pptx
@@ -3969,44 +3969,27 @@
           <a:p>
             <a:r>
               <a:rPr lang="fr-FR" dirty="0"/>
-              <a:t>« </a:t>
-            </a:r>
-            <a:r>
-              <a:rPr lang="en-US" dirty="0"/>
-              <a:t>Cohesion denotes the level of intra-dependency amongst the elements of a software module. In other words, Cohesion is a measure of the degree to which the responsibilities of a single module or a component form a meaningful unit</a:t>
-            </a:r>
-            <a:r>
-              <a:rPr lang="fr-FR" dirty="0"/>
-              <a:t>. », </a:t>
-            </a:r>
-            <a:r>
-              <a:rPr lang="fr-FR" dirty="0" err="1"/>
-              <a:t>Joydip</a:t>
-            </a:r>
-            <a:r>
-              <a:rPr lang="fr-FR" dirty="0"/>
+              <a:t>« La c</a:t>
+            </a:r>
+            <a:r>
+              <a:rPr lang="en-US" dirty="0" err="1"/>
+              <a:t>ohésion</a:t>
+            </a:r>
+            <a:r>
+              <a:rPr lang="en-US" dirty="0"/>
               <a:t> </a:t>
             </a:r>
             <a:r>
-              <a:rPr lang="fr-FR" dirty="0" err="1"/>
-              <a:t>Kanjilal</a:t>
-            </a:r>
-            <a:r>
-              <a:rPr lang="fr-FR" dirty="0"/>
-              <a:t> (MVP Microsoft)</a:t>
-            </a:r>
-          </a:p>
-          <a:p>
-            <a:endParaRPr lang="fr-FR" dirty="0"/>
-          </a:p>
-          <a:p>
-            <a:r>
-              <a:rPr lang="fr-FR" dirty="0"/>
-              <a:t>« La c</a:t>
-            </a:r>
-            <a:r>
-              <a:rPr lang="en-US" dirty="0" err="1"/>
-              <a:t>ohésion</a:t>
+              <a:rPr lang="en-US" dirty="0" err="1"/>
+              <a:t>décrit</a:t>
+            </a:r>
+            <a:r>
+              <a:rPr lang="en-US" dirty="0"/>
+              <a:t> le </a:t>
+            </a:r>
+            <a:r>
+              <a:rPr lang="en-US" dirty="0" err="1"/>
+              <a:t>niveau</a:t>
             </a:r>
             <a:r>
               <a:rPr lang="en-US" dirty="0"/>
@@ -4014,15 +3997,23 @@
             </a:r>
             <a:r>
               <a:rPr lang="en-US" dirty="0" err="1"/>
-              <a:t>décrit</a:t>
-            </a:r>
-            <a:r>
-              <a:rPr lang="en-US" dirty="0"/>
-              <a:t> le </a:t>
-            </a:r>
-            <a:r>
-              <a:rPr lang="en-US" dirty="0" err="1"/>
-              <a:t>niveau</a:t>
+              <a:t>d’interdépendance</a:t>
+            </a:r>
+            <a:r>
+              <a:rPr lang="en-US" dirty="0"/>
+              <a:t> entre les </a:t>
+            </a:r>
+            <a:r>
+              <a:rPr lang="en-US" dirty="0" err="1"/>
+              <a:t>éléments</a:t>
+            </a:r>
+            <a:r>
+              <a:rPr lang="en-US" dirty="0"/>
+              <a:t> d’un module. </a:t>
+            </a:r>
+            <a:r>
+              <a:rPr lang="en-US" dirty="0" err="1"/>
+              <a:t>En</a:t>
             </a:r>
             <a:r>
               <a:rPr lang="en-US" dirty="0"/>
@@ -4030,23 +4021,7 @@
             </a:r>
             <a:r>
               <a:rPr lang="en-US" dirty="0" err="1"/>
-              <a:t>d’inter-dépendance</a:t>
-            </a:r>
-            <a:r>
-              <a:rPr lang="en-US" dirty="0"/>
-              <a:t> entre les </a:t>
-            </a:r>
-            <a:r>
-              <a:rPr lang="en-US" dirty="0" err="1"/>
-              <a:t>éléments</a:t>
-            </a:r>
-            <a:r>
-              <a:rPr lang="en-US" dirty="0"/>
-              <a:t> d’un module. </a:t>
-            </a:r>
-            <a:r>
-              <a:rPr lang="en-US" dirty="0" err="1"/>
-              <a:t>En</a:t>
+              <a:t>d’autres</a:t>
             </a:r>
             <a:r>
               <a:rPr lang="en-US" dirty="0"/>
@@ -4054,7 +4029,15 @@
             </a:r>
             <a:r>
               <a:rPr lang="en-US" dirty="0" err="1"/>
-              <a:t>d’autres</a:t>
+              <a:t>termes</a:t>
+            </a:r>
+            <a:r>
+              <a:rPr lang="en-US" dirty="0"/>
+              <a:t>, la </a:t>
+            </a:r>
+            <a:r>
+              <a:rPr lang="en-US" dirty="0" err="1"/>
+              <a:t>cohésion</a:t>
             </a:r>
             <a:r>
               <a:rPr lang="en-US" dirty="0"/>
@@ -4062,43 +4045,19 @@
             </a:r>
             <a:r>
               <a:rPr lang="en-US" dirty="0" err="1"/>
-              <a:t>termes</a:t>
-            </a:r>
-            <a:r>
-              <a:rPr lang="en-US" dirty="0"/>
-              <a:t>, la </a:t>
-            </a:r>
-            <a:r>
-              <a:rPr lang="en-US" dirty="0" err="1"/>
-              <a:t>cohésion</a:t>
-            </a:r>
-            <a:r>
-              <a:rPr lang="en-US" dirty="0"/>
-              <a:t> </a:t>
-            </a:r>
-            <a:r>
-              <a:rPr lang="en-US" dirty="0" err="1"/>
-              <a:t>est</a:t>
-            </a:r>
-            <a:r>
-              <a:rPr lang="en-US" dirty="0"/>
-              <a:t> la </a:t>
-            </a:r>
-            <a:r>
-              <a:rPr lang="en-US" dirty="0" err="1"/>
               <a:t>mesure</a:t>
             </a:r>
             <a:r>
               <a:rPr lang="en-US" dirty="0"/>
-              <a:t> du </a:t>
-            </a:r>
-            <a:r>
-              <a:rPr lang="en-US" dirty="0" err="1"/>
-              <a:t>degré</a:t>
-            </a:r>
-            <a:r>
-              <a:rPr lang="en-US" dirty="0"/>
-              <a:t> du fait que les </a:t>
+              <a:t> à </a:t>
+            </a:r>
+            <a:r>
+              <a:rPr lang="en-US" dirty="0" err="1"/>
+              <a:t>quel</a:t>
+            </a:r>
+            <a:r>
+              <a:rPr lang="en-US" dirty="0"/>
+              <a:t> point les </a:t>
             </a:r>
             <a:r>
               <a:rPr lang="en-US" dirty="0" err="1"/>
@@ -4106,15 +4065,15 @@
             </a:r>
             <a:r>
               <a:rPr lang="en-US" dirty="0"/>
-              <a:t> </a:t>
-            </a:r>
-            <a:r>
-              <a:rPr lang="en-US" dirty="0" err="1"/>
-              <a:t>d’une</a:t>
-            </a:r>
-            <a:r>
-              <a:rPr lang="en-US" dirty="0"/>
-              <a:t> unique module </a:t>
+              <a:t> d’un module </a:t>
+            </a:r>
+            <a:r>
+              <a:rPr lang="en-US" dirty="0" err="1"/>
+              <a:t>isolé</a:t>
+            </a:r>
+            <a:r>
+              <a:rPr lang="en-US" dirty="0"/>
+              <a:t>, </a:t>
             </a:r>
             <a:r>
               <a:rPr lang="en-US" dirty="0" err="1"/>
@@ -4122,7 +4081,7 @@
             </a:r>
             <a:r>
               <a:rPr lang="en-US" dirty="0"/>
-              <a:t> </a:t>
+              <a:t> d’un </a:t>
             </a:r>
             <a:r>
               <a:rPr lang="en-US" dirty="0" err="1"/>
@@ -4130,11 +4089,11 @@
             </a:r>
             <a:r>
               <a:rPr lang="en-US" dirty="0"/>
-              <a:t> </a:t>
-            </a:r>
-            <a:r>
-              <a:rPr lang="en-US" dirty="0" err="1"/>
-              <a:t>forme</a:t>
+              <a:t>, </a:t>
+            </a:r>
+            <a:r>
+              <a:rPr lang="en-US" dirty="0" err="1"/>
+              <a:t>forment</a:t>
             </a:r>
             <a:r>
               <a:rPr lang="en-US" dirty="0"/>
@@ -4263,248 +4222,219 @@
             </a:r>
             <a:r>
               <a:rPr lang="en-US" dirty="0"/>
-              <a:t> Coupling may be defined as the degree of interdependence that exists between software modules and how closely they are connected to each other. In essence, coupling indicates the strength of interconnectedness between software modules. When this coupling is high, we may assume that the software modules are interdependent, i.e., they cannot function without the other.</a:t>
-            </a:r>
-            <a:r>
-              <a:rPr lang="fr-FR" dirty="0"/>
-              <a:t> »</a:t>
-            </a:r>
-            <a:r>
-              <a:rPr lang="fr-FR" dirty="0"/>
+              <a:t> Le </a:t>
+            </a:r>
+            <a:r>
+              <a:rPr lang="en-US" dirty="0" err="1"/>
+              <a:t>couplage</a:t>
+            </a:r>
+            <a:r>
+              <a:rPr lang="en-US" dirty="0"/>
+              <a:t> </a:t>
+            </a:r>
+            <a:r>
+              <a:rPr lang="en-US" dirty="0" err="1"/>
+              <a:t>peut</a:t>
+            </a:r>
+            <a:r>
+              <a:rPr lang="en-US" dirty="0"/>
+              <a:t> se </a:t>
+            </a:r>
+            <a:r>
+              <a:rPr lang="en-US" dirty="0" err="1"/>
+              <a:t>définir</a:t>
+            </a:r>
+            <a:r>
+              <a:rPr lang="en-US" dirty="0"/>
+              <a:t> </a:t>
+            </a:r>
+            <a:r>
+              <a:rPr lang="en-US" dirty="0" err="1"/>
+              <a:t>comme</a:t>
+            </a:r>
+            <a:r>
+              <a:rPr lang="en-US" dirty="0"/>
+              <a:t> le </a:t>
+            </a:r>
+            <a:r>
+              <a:rPr lang="en-US" dirty="0" err="1"/>
+              <a:t>niveau</a:t>
+            </a:r>
+            <a:r>
+              <a:rPr lang="en-US" dirty="0"/>
+              <a:t> </a:t>
+            </a:r>
+            <a:r>
+              <a:rPr lang="en-US" dirty="0" err="1"/>
+              <a:t>d’interdépendance</a:t>
+            </a:r>
+            <a:r>
+              <a:rPr lang="en-US" dirty="0"/>
+              <a:t> qui </a:t>
+            </a:r>
+            <a:r>
+              <a:rPr lang="en-US" dirty="0" err="1"/>
+              <a:t>existe</a:t>
+            </a:r>
+            <a:r>
+              <a:rPr lang="en-US" dirty="0"/>
+              <a:t> entre des modules et </a:t>
+            </a:r>
+            <a:r>
+              <a:rPr lang="en-US" dirty="0" err="1"/>
+              <a:t>exprime</a:t>
+            </a:r>
+            <a:r>
+              <a:rPr lang="en-US" dirty="0"/>
+              <a:t> </a:t>
+            </a:r>
+            <a:r>
+              <a:rPr lang="en-US" dirty="0" err="1"/>
+              <a:t>leur</a:t>
+            </a:r>
+            <a:r>
+              <a:rPr lang="en-US" dirty="0"/>
+              <a:t> </a:t>
+            </a:r>
+            <a:r>
+              <a:rPr lang="en-US" dirty="0" err="1"/>
+              <a:t>degré</a:t>
+            </a:r>
+            <a:r>
+              <a:rPr lang="en-US" dirty="0"/>
+              <a:t> de </a:t>
+            </a:r>
+            <a:r>
+              <a:rPr lang="en-US" dirty="0" err="1"/>
+              <a:t>proximité</a:t>
+            </a:r>
+            <a:r>
+              <a:rPr lang="en-US" dirty="0"/>
+              <a:t>. </a:t>
+            </a:r>
+            <a:r>
+              <a:rPr lang="en-US" dirty="0" err="1"/>
+              <a:t>Dans</a:t>
+            </a:r>
+            <a:r>
+              <a:rPr lang="en-US" dirty="0"/>
+              <a:t> </a:t>
+            </a:r>
+            <a:r>
+              <a:rPr lang="en-US" dirty="0" err="1"/>
+              <a:t>l’absolu</a:t>
+            </a:r>
+            <a:r>
+              <a:rPr lang="en-US" dirty="0"/>
+              <a:t>, le </a:t>
+            </a:r>
+            <a:r>
+              <a:rPr lang="en-US" dirty="0" err="1"/>
+              <a:t>couplage</a:t>
+            </a:r>
+            <a:r>
+              <a:rPr lang="en-US" dirty="0"/>
+              <a:t> </a:t>
+            </a:r>
+            <a:r>
+              <a:rPr lang="en-US" dirty="0" err="1"/>
+              <a:t>indique</a:t>
+            </a:r>
+            <a:r>
+              <a:rPr lang="en-US" dirty="0"/>
+              <a:t> la force </a:t>
+            </a:r>
+            <a:r>
+              <a:rPr lang="en-US" dirty="0" err="1"/>
+              <a:t>d’interconnexion</a:t>
+            </a:r>
+            <a:r>
+              <a:rPr lang="en-US" dirty="0"/>
+              <a:t> entre les modules. </a:t>
+            </a:r>
+            <a:r>
+              <a:rPr lang="en-US" dirty="0" err="1"/>
+              <a:t>Quand</a:t>
+            </a:r>
+            <a:r>
+              <a:rPr lang="en-US" dirty="0"/>
+              <a:t> le </a:t>
+            </a:r>
+            <a:r>
+              <a:rPr lang="en-US" dirty="0" err="1"/>
+              <a:t>couplage</a:t>
+            </a:r>
+            <a:r>
+              <a:rPr lang="en-US" dirty="0"/>
+              <a:t> </a:t>
+            </a:r>
+            <a:r>
+              <a:rPr lang="en-US" dirty="0" err="1"/>
+              <a:t>est</a:t>
+            </a:r>
+            <a:r>
+              <a:rPr lang="en-US" dirty="0"/>
+              <a:t> </a:t>
+            </a:r>
+            <a:r>
+              <a:rPr lang="en-US" dirty="0" err="1"/>
+              <a:t>élevé</a:t>
+            </a:r>
+            <a:r>
+              <a:rPr lang="en-US" dirty="0"/>
+              <a:t>, on suppose que les modules </a:t>
+            </a:r>
+            <a:r>
+              <a:rPr lang="en-US" dirty="0" err="1"/>
+              <a:t>sont</a:t>
+            </a:r>
+            <a:r>
+              <a:rPr lang="en-US" dirty="0"/>
+              <a:t> </a:t>
+            </a:r>
+            <a:r>
+              <a:rPr lang="en-US" dirty="0" err="1"/>
+              <a:t>interdépendants</a:t>
+            </a:r>
+            <a:r>
+              <a:rPr lang="en-US" dirty="0"/>
               <a:t>, </a:t>
             </a:r>
             <a:r>
-              <a:rPr lang="fr-FR" dirty="0" err="1"/>
-              <a:t>Joydip</a:t>
-            </a:r>
-            <a:r>
-              <a:rPr lang="fr-FR" dirty="0"/>
+              <a:rPr lang="en-US" dirty="0" err="1"/>
+              <a:t>c’est</a:t>
+            </a:r>
+            <a:r>
+              <a:rPr lang="en-US" dirty="0"/>
+              <a:t>-à-dire </a:t>
+            </a:r>
+            <a:r>
+              <a:rPr lang="en-US" dirty="0" err="1"/>
+              <a:t>qu’ils</a:t>
+            </a:r>
+            <a:r>
+              <a:rPr lang="en-US" dirty="0"/>
+              <a:t> ne </a:t>
+            </a:r>
+            <a:r>
+              <a:rPr lang="en-US" dirty="0" err="1"/>
+              <a:t>peuvent</a:t>
+            </a:r>
+            <a:r>
+              <a:rPr lang="en-US" dirty="0"/>
               <a:t> </a:t>
             </a:r>
             <a:r>
-              <a:rPr lang="fr-FR" dirty="0" err="1"/>
-              <a:t>Kanjilal</a:t>
-            </a:r>
-            <a:r>
-              <a:rPr lang="fr-FR" dirty="0"/>
-              <a:t> (MVP Microsoft)</a:t>
-            </a:r>
-          </a:p>
-          <a:p>
-            <a:endParaRPr lang="fr-FR" dirty="0"/>
-          </a:p>
-          <a:p>
-            <a:r>
-              <a:rPr lang="fr-FR" dirty="0"/>
-              <a:t>«</a:t>
-            </a:r>
-            <a:r>
-              <a:rPr lang="en-US" dirty="0"/>
-              <a:t> Le </a:t>
-            </a:r>
-            <a:r>
-              <a:rPr lang="en-US" dirty="0" err="1"/>
-              <a:t>couplage</a:t>
-            </a:r>
-            <a:r>
-              <a:rPr lang="en-US" dirty="0"/>
-              <a:t> </a:t>
-            </a:r>
-            <a:r>
-              <a:rPr lang="en-US" dirty="0" err="1"/>
-              <a:t>peut</a:t>
-            </a:r>
-            <a:r>
-              <a:rPr lang="en-US" dirty="0"/>
-              <a:t> se </a:t>
-            </a:r>
-            <a:r>
-              <a:rPr lang="en-US" dirty="0" err="1"/>
-              <a:t>définir</a:t>
-            </a:r>
-            <a:r>
-              <a:rPr lang="en-US" dirty="0"/>
-              <a:t> </a:t>
-            </a:r>
-            <a:r>
-              <a:rPr lang="en-US" dirty="0" err="1"/>
-              <a:t>comme</a:t>
-            </a:r>
-            <a:r>
-              <a:rPr lang="en-US" dirty="0"/>
-              <a:t> le </a:t>
-            </a:r>
-            <a:r>
-              <a:rPr lang="en-US" dirty="0" err="1"/>
-              <a:t>degré</a:t>
-            </a:r>
-            <a:r>
-              <a:rPr lang="en-US" dirty="0"/>
-              <a:t> </a:t>
-            </a:r>
-            <a:r>
-              <a:rPr lang="en-US" dirty="0" err="1"/>
-              <a:t>d’interdépendance</a:t>
-            </a:r>
-            <a:r>
-              <a:rPr lang="en-US" dirty="0"/>
-              <a:t> qui </a:t>
-            </a:r>
-            <a:r>
-              <a:rPr lang="en-US" dirty="0" err="1"/>
-              <a:t>existe</a:t>
-            </a:r>
-            <a:r>
-              <a:rPr lang="en-US" dirty="0"/>
-              <a:t> entre les modules et à </a:t>
-            </a:r>
-            <a:r>
-              <a:rPr lang="en-US" dirty="0" err="1"/>
-              <a:t>quel</a:t>
-            </a:r>
-            <a:r>
-              <a:rPr lang="en-US" dirty="0"/>
-              <a:t> point </a:t>
-            </a:r>
-            <a:r>
-              <a:rPr lang="en-US" dirty="0" err="1"/>
-              <a:t>ils</a:t>
-            </a:r>
-            <a:r>
-              <a:rPr lang="en-US" dirty="0"/>
-              <a:t> </a:t>
-            </a:r>
-            <a:r>
-              <a:rPr lang="en-US" dirty="0" err="1"/>
-              <a:t>sont</a:t>
-            </a:r>
-            <a:r>
-              <a:rPr lang="en-US" dirty="0"/>
-              <a:t> </a:t>
-            </a:r>
-            <a:r>
-              <a:rPr lang="en-US" dirty="0" err="1"/>
-              <a:t>étroitement</a:t>
-            </a:r>
-            <a:r>
-              <a:rPr lang="en-US" dirty="0"/>
-              <a:t> </a:t>
-            </a:r>
-            <a:r>
-              <a:rPr lang="en-US" dirty="0" err="1"/>
-              <a:t>liés</a:t>
-            </a:r>
-            <a:r>
-              <a:rPr lang="en-US" dirty="0"/>
-              <a:t> entre </a:t>
-            </a:r>
-            <a:r>
-              <a:rPr lang="en-US" dirty="0" err="1"/>
-              <a:t>eux</a:t>
-            </a:r>
-            <a:r>
-              <a:rPr lang="en-US" dirty="0"/>
-              <a:t>. Par essence, le </a:t>
-            </a:r>
-            <a:r>
-              <a:rPr lang="en-US" dirty="0" err="1"/>
-              <a:t>couplage</a:t>
-            </a:r>
-            <a:r>
-              <a:rPr lang="en-US" dirty="0"/>
-              <a:t> </a:t>
-            </a:r>
-            <a:r>
-              <a:rPr lang="en-US" dirty="0" err="1"/>
-              <a:t>indique</a:t>
-            </a:r>
-            <a:r>
-              <a:rPr lang="en-US" dirty="0"/>
-              <a:t> la force </a:t>
-            </a:r>
-            <a:r>
-              <a:rPr lang="en-US" dirty="0" err="1"/>
-              <a:t>d’interconnexion</a:t>
-            </a:r>
-            <a:r>
-              <a:rPr lang="en-US" dirty="0"/>
-              <a:t> entre les modules. </a:t>
-            </a:r>
-            <a:r>
-              <a:rPr lang="en-US" dirty="0" err="1"/>
-              <a:t>Quand</a:t>
-            </a:r>
-            <a:r>
-              <a:rPr lang="en-US" dirty="0"/>
-              <a:t> le </a:t>
-            </a:r>
-            <a:r>
-              <a:rPr lang="en-US" dirty="0" err="1"/>
-              <a:t>couplage</a:t>
-            </a:r>
-            <a:r>
-              <a:rPr lang="en-US" dirty="0"/>
-              <a:t> </a:t>
-            </a:r>
-            <a:r>
-              <a:rPr lang="en-US" dirty="0" err="1"/>
-              <a:t>est</a:t>
-            </a:r>
-            <a:r>
-              <a:rPr lang="en-US" dirty="0"/>
-              <a:t> </a:t>
-            </a:r>
-            <a:r>
-              <a:rPr lang="en-US" dirty="0" err="1"/>
-              <a:t>élevé</a:t>
-            </a:r>
-            <a:r>
-              <a:rPr lang="en-US" dirty="0"/>
-              <a:t>, on assume que les modules </a:t>
-            </a:r>
-            <a:r>
-              <a:rPr lang="en-US" dirty="0" err="1"/>
-              <a:t>sont</a:t>
-            </a:r>
-            <a:r>
-              <a:rPr lang="en-US" dirty="0"/>
-              <a:t> inter-</a:t>
-            </a:r>
-            <a:r>
-              <a:rPr lang="en-US" dirty="0" err="1"/>
-              <a:t>dépendants</a:t>
-            </a:r>
-            <a:r>
-              <a:rPr lang="en-US" dirty="0"/>
-              <a:t>, par </a:t>
-            </a:r>
-            <a:r>
-              <a:rPr lang="en-US" dirty="0" err="1"/>
-              <a:t>exemple</a:t>
-            </a:r>
-            <a:r>
-              <a:rPr lang="en-US" dirty="0"/>
-              <a:t>, </a:t>
-            </a:r>
-            <a:r>
-              <a:rPr lang="en-US" dirty="0" err="1"/>
-              <a:t>ils</a:t>
-            </a:r>
-            <a:r>
-              <a:rPr lang="en-US" dirty="0"/>
-              <a:t> ne </a:t>
-            </a:r>
-            <a:r>
-              <a:rPr lang="en-US" dirty="0" err="1"/>
-              <a:t>peuvent</a:t>
-            </a:r>
-            <a:r>
-              <a:rPr lang="en-US" dirty="0"/>
-              <a:t> </a:t>
-            </a:r>
-            <a:r>
               <a:rPr lang="en-US" dirty="0" err="1"/>
               <a:t>fonctionner</a:t>
+            </a:r>
+            <a:r>
+              <a:rPr lang="en-US" dirty="0"/>
+              <a:t> les </a:t>
+            </a:r>
+            <a:r>
+              <a:rPr lang="en-US" dirty="0" err="1"/>
+              <a:t>uns</a:t>
             </a:r>
             <a:r>
               <a:rPr lang="en-US" dirty="0"/>
@@ -4975,20 +4905,19 @@
             <a:endParaRPr lang="en-US" dirty="0"/>
           </a:p>
           <a:p>
-            <a:pPr>
-              <a:buFont typeface="Arial" panose="020B0604020202020204" pitchFamily="34" charset="0"/>
-              <a:buChar char="•"/>
+            <a:pPr marL="0" indent="0">
+              <a:buNone/>
             </a:pPr>
             <a:r>
               <a:rPr lang="fr-FR" dirty="0"/>
-              <a:t>Module de haut niveau: Plus métier que technique</a:t>
+              <a:t>  Module de haut niveau: Plus métier que technique</a:t>
             </a:r>
             <a:br>
               <a:rPr lang="fr-FR" dirty="0"/>
             </a:br>
             <a:r>
               <a:rPr lang="fr-FR" dirty="0"/>
-              <a:t>Module de bas niveau: Plus technique que métier</a:t>
+              <a:t>  Module de bas niveau: Plus technique que métier</a:t>
             </a:r>
             <a:endParaRPr lang="en-US" dirty="0"/>
           </a:p>

--- a/SOLID - 4 DIP.pptx
+++ b/SOLID - 4 DIP.pptx
@@ -347,7 +347,7 @@
           <a:p>
             <a:fld id="{4BDF68E2-58F2-4D09-BE8B-E3BD06533059}" type="datetimeFigureOut">
               <a:rPr lang="en-US" dirty="0"/>
-              <a:t>1/8/2017</a:t>
+              <a:t>1/9/2017</a:t>
             </a:fld>
             <a:endParaRPr lang="en-US" dirty="0"/>
           </a:p>
@@ -550,7 +550,7 @@
           <a:p>
             <a:fld id="{2E2D6473-DF6D-4702-B328-E0DD40540A4E}" type="datetimeFigureOut">
               <a:rPr lang="en-US" dirty="0"/>
-              <a:t>1/8/2017</a:t>
+              <a:t>1/9/2017</a:t>
             </a:fld>
             <a:endParaRPr lang="en-US" dirty="0"/>
           </a:p>
@@ -801,7 +801,7 @@
           <a:p>
             <a:fld id="{E26F7E3A-B166-407D-9866-32884E7D5B37}" type="datetimeFigureOut">
               <a:rPr lang="en-US" dirty="0"/>
-              <a:t>1/8/2017</a:t>
+              <a:t>1/9/2017</a:t>
             </a:fld>
             <a:endParaRPr lang="en-US" dirty="0"/>
           </a:p>
@@ -970,7 +970,7 @@
           <a:p>
             <a:fld id="{528FC5F6-F338-4AE4-BB23-26385BCFC423}" type="datetimeFigureOut">
               <a:rPr lang="en-US" dirty="0"/>
-              <a:t>1/8/2017</a:t>
+              <a:t>1/9/2017</a:t>
             </a:fld>
             <a:endParaRPr lang="en-US" dirty="0"/>
           </a:p>
@@ -1308,7 +1308,7 @@
           <a:p>
             <a:fld id="{20EBB0C4-6273-4C6E-B9BD-2EDC30F1CD52}" type="datetimeFigureOut">
               <a:rPr lang="en-US" dirty="0"/>
-              <a:t>1/8/2017</a:t>
+              <a:t>1/9/2017</a:t>
             </a:fld>
             <a:endParaRPr lang="en-US" dirty="0"/>
           </a:p>
@@ -1578,7 +1578,7 @@
           <a:p>
             <a:fld id="{19AB4D41-86C1-4908-B66A-0B50CEB3BF29}" type="datetimeFigureOut">
               <a:rPr lang="en-US" dirty="0"/>
-              <a:t>1/8/2017</a:t>
+              <a:t>1/9/2017</a:t>
             </a:fld>
             <a:endParaRPr lang="en-US" dirty="0"/>
           </a:p>
@@ -1952,7 +1952,7 @@
           <a:p>
             <a:fld id="{E6426E2C-56C1-4E0D-A793-0088A7FDD37E}" type="datetimeFigureOut">
               <a:rPr lang="en-US" dirty="0"/>
-              <a:t>1/8/2017</a:t>
+              <a:t>1/9/2017</a:t>
             </a:fld>
             <a:endParaRPr lang="en-US" dirty="0"/>
           </a:p>
@@ -2065,7 +2065,7 @@
           <a:p>
             <a:fld id="{C8C39B41-D8B5-4052-B551-9B5525EAA8B6}" type="datetimeFigureOut">
               <a:rPr lang="en-US" dirty="0"/>
-              <a:t>1/8/2017</a:t>
+              <a:t>1/9/2017</a:t>
             </a:fld>
             <a:endParaRPr lang="en-US" dirty="0"/>
           </a:p>
@@ -2231,7 +2231,7 @@
           <a:p>
             <a:fld id="{4D94136C-8742-45B2-AF27-D93DF72833A9}" type="datetimeFigureOut">
               <a:rPr lang="en-US" dirty="0"/>
-              <a:t>1/8/2017</a:t>
+              <a:t>1/9/2017</a:t>
             </a:fld>
             <a:endParaRPr lang="en-US" dirty="0"/>
           </a:p>
@@ -2581,7 +2581,7 @@
           <a:p>
             <a:fld id="{32ABBEA6-7C60-4B02-AE87-00D78D8422AF}" type="datetimeFigureOut">
               <a:rPr lang="en-US" dirty="0"/>
-              <a:t>1/8/2017</a:t>
+              <a:t>1/9/2017</a:t>
             </a:fld>
             <a:endParaRPr lang="en-US" dirty="0"/>
           </a:p>
@@ -2959,7 +2959,7 @@
           <a:p>
             <a:fld id="{C9CAD897-D46E-4AD2-BD9B-49DD3E640873}" type="datetimeFigureOut">
               <a:rPr lang="en-US" dirty="0"/>
-              <a:t>1/8/2017</a:t>
+              <a:t>1/9/2017</a:t>
             </a:fld>
             <a:endParaRPr lang="en-US" dirty="0"/>
           </a:p>
@@ -3241,7 +3241,7 @@
           <a:p>
             <a:fld id="{98624D31-43A5-475A-80CF-332C9F6DCF35}" type="datetimeFigureOut">
               <a:rPr lang="en-US" dirty="0"/>
-              <a:t>1/8/2017</a:t>
+              <a:t>1/9/2017</a:t>
             </a:fld>
             <a:endParaRPr lang="en-US" dirty="0"/>
           </a:p>
@@ -4910,14 +4910,22 @@
             </a:pPr>
             <a:r>
               <a:rPr lang="fr-FR" dirty="0"/>
-              <a:t>  Module de haut niveau: Plus métier que technique</a:t>
+              <a:t>  Module de haut niveau: Plus métier que technique (ex: classe Person)</a:t>
             </a:r>
             <a:br>
               <a:rPr lang="fr-FR" dirty="0"/>
             </a:br>
             <a:r>
               <a:rPr lang="fr-FR" dirty="0"/>
-              <a:t>  Module de bas niveau: Plus technique que métier</a:t>
+              <a:t>  Module de bas niveau: Plus technique que métier (ex: classe </a:t>
+            </a:r>
+            <a:r>
+              <a:rPr lang="fr-FR" dirty="0" err="1"/>
+              <a:t>FileReader</a:t>
+            </a:r>
+            <a:r>
+              <a:rPr lang="fr-FR" dirty="0"/>
+              <a:t>)</a:t>
             </a:r>
             <a:endParaRPr lang="en-US" dirty="0"/>
           </a:p>

--- a/SOLID - 4 DIP.pptx
+++ b/SOLID - 4 DIP.pptx
@@ -13,8 +13,8 @@
     <p:sldId id="299" r:id="rId7"/>
     <p:sldId id="295" r:id="rId8"/>
     <p:sldId id="304" r:id="rId9"/>
-    <p:sldId id="302" r:id="rId10"/>
-    <p:sldId id="316" r:id="rId11"/>
+    <p:sldId id="316" r:id="rId10"/>
+    <p:sldId id="302" r:id="rId11"/>
   </p:sldIdLst>
   <p:sldSz cx="12192000" cy="6858000"/>
   <p:notesSz cx="6858000" cy="9144000"/>
@@ -347,7 +347,7 @@
           <a:p>
             <a:fld id="{4BDF68E2-58F2-4D09-BE8B-E3BD06533059}" type="datetimeFigureOut">
               <a:rPr lang="en-US" dirty="0"/>
-              <a:t>1/9/2017</a:t>
+              <a:t>1/10/2017</a:t>
             </a:fld>
             <a:endParaRPr lang="en-US" dirty="0"/>
           </a:p>
@@ -550,7 +550,7 @@
           <a:p>
             <a:fld id="{2E2D6473-DF6D-4702-B328-E0DD40540A4E}" type="datetimeFigureOut">
               <a:rPr lang="en-US" dirty="0"/>
-              <a:t>1/9/2017</a:t>
+              <a:t>1/10/2017</a:t>
             </a:fld>
             <a:endParaRPr lang="en-US" dirty="0"/>
           </a:p>
@@ -801,7 +801,7 @@
           <a:p>
             <a:fld id="{E26F7E3A-B166-407D-9866-32884E7D5B37}" type="datetimeFigureOut">
               <a:rPr lang="en-US" dirty="0"/>
-              <a:t>1/9/2017</a:t>
+              <a:t>1/10/2017</a:t>
             </a:fld>
             <a:endParaRPr lang="en-US" dirty="0"/>
           </a:p>
@@ -970,7 +970,7 @@
           <a:p>
             <a:fld id="{528FC5F6-F338-4AE4-BB23-26385BCFC423}" type="datetimeFigureOut">
               <a:rPr lang="en-US" dirty="0"/>
-              <a:t>1/9/2017</a:t>
+              <a:t>1/10/2017</a:t>
             </a:fld>
             <a:endParaRPr lang="en-US" dirty="0"/>
           </a:p>
@@ -1308,7 +1308,7 @@
           <a:p>
             <a:fld id="{20EBB0C4-6273-4C6E-B9BD-2EDC30F1CD52}" type="datetimeFigureOut">
               <a:rPr lang="en-US" dirty="0"/>
-              <a:t>1/9/2017</a:t>
+              <a:t>1/10/2017</a:t>
             </a:fld>
             <a:endParaRPr lang="en-US" dirty="0"/>
           </a:p>
@@ -1578,7 +1578,7 @@
           <a:p>
             <a:fld id="{19AB4D41-86C1-4908-B66A-0B50CEB3BF29}" type="datetimeFigureOut">
               <a:rPr lang="en-US" dirty="0"/>
-              <a:t>1/9/2017</a:t>
+              <a:t>1/10/2017</a:t>
             </a:fld>
             <a:endParaRPr lang="en-US" dirty="0"/>
           </a:p>
@@ -1952,7 +1952,7 @@
           <a:p>
             <a:fld id="{E6426E2C-56C1-4E0D-A793-0088A7FDD37E}" type="datetimeFigureOut">
               <a:rPr lang="en-US" dirty="0"/>
-              <a:t>1/9/2017</a:t>
+              <a:t>1/10/2017</a:t>
             </a:fld>
             <a:endParaRPr lang="en-US" dirty="0"/>
           </a:p>
@@ -2065,7 +2065,7 @@
           <a:p>
             <a:fld id="{C8C39B41-D8B5-4052-B551-9B5525EAA8B6}" type="datetimeFigureOut">
               <a:rPr lang="en-US" dirty="0"/>
-              <a:t>1/9/2017</a:t>
+              <a:t>1/10/2017</a:t>
             </a:fld>
             <a:endParaRPr lang="en-US" dirty="0"/>
           </a:p>
@@ -2231,7 +2231,7 @@
           <a:p>
             <a:fld id="{4D94136C-8742-45B2-AF27-D93DF72833A9}" type="datetimeFigureOut">
               <a:rPr lang="en-US" dirty="0"/>
-              <a:t>1/9/2017</a:t>
+              <a:t>1/10/2017</a:t>
             </a:fld>
             <a:endParaRPr lang="en-US" dirty="0"/>
           </a:p>
@@ -2581,7 +2581,7 @@
           <a:p>
             <a:fld id="{32ABBEA6-7C60-4B02-AE87-00D78D8422AF}" type="datetimeFigureOut">
               <a:rPr lang="en-US" dirty="0"/>
-              <a:t>1/9/2017</a:t>
+              <a:t>1/10/2017</a:t>
             </a:fld>
             <a:endParaRPr lang="en-US" dirty="0"/>
           </a:p>
@@ -2959,7 +2959,7 @@
           <a:p>
             <a:fld id="{C9CAD897-D46E-4AD2-BD9B-49DD3E640873}" type="datetimeFigureOut">
               <a:rPr lang="en-US" dirty="0"/>
-              <a:t>1/9/2017</a:t>
+              <a:t>1/10/2017</a:t>
             </a:fld>
             <a:endParaRPr lang="en-US" dirty="0"/>
           </a:p>
@@ -3241,7 +3241,7 @@
           <a:p>
             <a:fld id="{98624D31-43A5-475A-80CF-332C9F6DCF35}" type="datetimeFigureOut">
               <a:rPr lang="en-US" dirty="0"/>
-              <a:t>1/9/2017</a:t>
+              <a:t>1/10/2017</a:t>
             </a:fld>
             <a:endParaRPr lang="en-US" dirty="0"/>
           </a:p>
@@ -3855,53 +3855,121 @@
           </a:p>
         </p:txBody>
       </p:sp>
-      <p:pic>
-        <p:nvPicPr>
-          <p:cNvPr id="1026" name="Picture 2" descr="Dependency Injection in .NET by Mark Seemann, http://www.amazon.com/dp ..."/>
-          <p:cNvPicPr>
-            <a:picLocks noGrp="1" noChangeAspect="1" noChangeArrowheads="1"/>
-          </p:cNvPicPr>
+      <p:sp>
+        <p:nvSpPr>
+          <p:cNvPr id="3" name="Espace réservé du contenu 2"/>
+          <p:cNvSpPr>
+            <a:spLocks noGrp="1"/>
+          </p:cNvSpPr>
           <p:nvPr>
             <p:ph idx="1"/>
           </p:nvPr>
-        </p:nvPicPr>
-        <p:blipFill>
-          <a:blip r:embed="rId2">
-            <a:extLst>
-              <a:ext uri="{28A0092B-C50C-407E-A947-70E740481C1C}">
-                <a14:useLocalDpi xmlns:a14="http://schemas.microsoft.com/office/drawing/2010/main" val="0"/>
-              </a:ext>
-            </a:extLst>
-          </a:blip>
-          <a:srcRect/>
-          <a:stretch>
-            <a:fillRect/>
-          </a:stretch>
-        </p:blipFill>
-        <p:spPr bwMode="auto">
-          <a:xfrm>
-            <a:off x="4517073" y="1846263"/>
-            <a:ext cx="3218180" cy="4022725"/>
-          </a:xfrm>
-          <a:prstGeom prst="rect">
-            <a:avLst/>
-          </a:prstGeom>
-          <a:noFill/>
-          <a:extLst>
-            <a:ext uri="{909E8E84-426E-40DD-AFC4-6F175D3DCCD1}">
-              <a14:hiddenFill xmlns:a14="http://schemas.microsoft.com/office/drawing/2010/main">
-                <a:solidFill>
-                  <a:srgbClr val="FFFFFF"/>
-                </a:solidFill>
-              </a14:hiddenFill>
-            </a:ext>
-          </a:extLst>
-        </p:spPr>
-      </p:pic>
+        </p:nvSpPr>
+        <p:spPr/>
+        <p:txBody>
+          <a:bodyPr>
+            <a:normAutofit/>
+          </a:bodyPr>
+          <a:lstStyle/>
+          <a:p>
+            <a:r>
+              <a:rPr lang="fr-FR" dirty="0">
+                <a:hlinkClick r:id="rId2"/>
+              </a:rPr>
+              <a:t>http://enterprisecraftsmanship.com/2015/09/02/cohesion-coupling-difference/</a:t>
+            </a:r>
+            <a:br>
+              <a:rPr lang="fr-FR" dirty="0"/>
+            </a:br>
+            <a:r>
+              <a:rPr lang="fr-FR" dirty="0">
+                <a:hlinkClick r:id="rId3"/>
+              </a:rPr>
+              <a:t>http://www.infoworld.com/article/2949579/application-architecture/design-for-change-coupling-and-cohesion-in-object-oriented-systems.html</a:t>
+            </a:r>
+            <a:br>
+              <a:rPr lang="fr-FR" dirty="0"/>
+            </a:br>
+            <a:r>
+              <a:rPr lang="fr-FR" dirty="0">
+                <a:hlinkClick r:id="rId4"/>
+              </a:rPr>
+              <a:t>https://thebojan.ninja/2015/04/08/high-cohesion-loose-coupling/</a:t>
+            </a:r>
+            <a:br>
+              <a:rPr lang="fr-FR" dirty="0"/>
+            </a:br>
+            <a:r>
+              <a:rPr lang="fr-FR" dirty="0">
+                <a:hlinkClick r:id="rId5"/>
+              </a:rPr>
+              <a:t>http://www.xyzws.com/scjp/SGS11/5/2</a:t>
+            </a:r>
+            <a:endParaRPr lang="fr-FR" dirty="0"/>
+          </a:p>
+          <a:p>
+            <a:r>
+              <a:rPr lang="fr-FR" dirty="0">
+                <a:hlinkClick r:id="rId6"/>
+              </a:rPr>
+              <a:t>https://lostechies.com/derickbailey/2011/09/22/dependency-injection-is-not-the-same-as-the-dependency-inversion-principle/</a:t>
+            </a:r>
+            <a:endParaRPr lang="fr-FR" dirty="0"/>
+          </a:p>
+          <a:p>
+            <a:r>
+              <a:rPr lang="fr-FR">
+                <a:hlinkClick r:id="rId7"/>
+              </a:rPr>
+              <a:t>http</a:t>
+            </a:r>
+            <a:r>
+              <a:rPr lang="fr-FR" dirty="0">
+                <a:hlinkClick r:id="rId7"/>
+              </a:rPr>
+              <a:t>://blog.ploeh.dk/2010/02/03/ServiceLocatorisanAnti-Pattern/</a:t>
+            </a:r>
+            <a:br>
+              <a:rPr lang="fr-FR" dirty="0"/>
+            </a:br>
+            <a:r>
+              <a:rPr lang="fr-FR" dirty="0">
+                <a:hlinkClick r:id="rId8"/>
+              </a:rPr>
+              <a:t>http://blog.ploeh.dk/2014/05/15/service-locator-violates-solid/</a:t>
+            </a:r>
+            <a:br>
+              <a:rPr lang="fr-FR" dirty="0"/>
+            </a:br>
+            <a:r>
+              <a:rPr lang="fr-FR" dirty="0">
+                <a:hlinkClick r:id="rId9"/>
+              </a:rPr>
+              <a:t>http://blog.ploeh.dk/2015/10/26/service-locator-violates-encapsulation/</a:t>
+            </a:r>
+            <a:endParaRPr lang="fr-FR" dirty="0"/>
+          </a:p>
+          <a:p>
+            <a:br>
+              <a:rPr lang="fr-FR" dirty="0"/>
+            </a:br>
+            <a:endParaRPr lang="fr-FR" dirty="0"/>
+          </a:p>
+          <a:p>
+            <a:endParaRPr lang="fr-FR" dirty="0"/>
+          </a:p>
+          <a:p>
+            <a:endParaRPr lang="fr-FR" dirty="0"/>
+          </a:p>
+          <a:p>
+            <a:endParaRPr lang="fr-FR" dirty="0"/>
+          </a:p>
+        </p:txBody>
+      </p:sp>
     </p:spTree>
     <p:extLst>
       <p:ext uri="{BB962C8B-B14F-4D97-AF65-F5344CB8AC3E}">
-        <p14:creationId xmlns:p14="http://schemas.microsoft.com/office/powerpoint/2010/main" val="1124821970"/>
+        <p14:creationId xmlns:p14="http://schemas.microsoft.com/office/powerpoint/2010/main" val="684659631"/>
       </p:ext>
     </p:extLst>
   </p:cSld>
@@ -4142,6 +4210,45 @@
             <a:r>
               <a:rPr lang="fr-FR" dirty="0"/>
               <a:t> (MVP Microsoft)</a:t>
+            </a:r>
+          </a:p>
+          <a:p>
+            <a:endParaRPr lang="fr-FR" dirty="0"/>
+          </a:p>
+          <a:p>
+            <a:r>
+              <a:rPr lang="fr-FR" dirty="0"/>
+              <a:t>Éléments de modules:</a:t>
+            </a:r>
+          </a:p>
+          <a:p>
+            <a:pPr lvl="1">
+              <a:buFont typeface="Arial" panose="020B0604020202020204" pitchFamily="34" charset="0"/>
+              <a:buChar char="•"/>
+            </a:pPr>
+            <a:r>
+              <a:rPr lang="fr-FR" dirty="0"/>
+              <a:t>Les classes d’un package</a:t>
+            </a:r>
+          </a:p>
+          <a:p>
+            <a:pPr lvl="1">
+              <a:buFont typeface="Arial" panose="020B0604020202020204" pitchFamily="34" charset="0"/>
+              <a:buChar char="•"/>
+            </a:pPr>
+            <a:r>
+              <a:rPr lang="fr-FR" dirty="0"/>
+              <a:t>Les méthodes d’une classe</a:t>
+            </a:r>
+          </a:p>
+          <a:p>
+            <a:pPr lvl="1">
+              <a:buFont typeface="Arial" panose="020B0604020202020204" pitchFamily="34" charset="0"/>
+              <a:buChar char="•"/>
+            </a:pPr>
+            <a:r>
+              <a:rPr lang="fr-FR" dirty="0"/>
+              <a:t>Les méthodes d’une méthode</a:t>
             </a:r>
           </a:p>
           <a:p>
@@ -4310,47 +4417,7 @@
             </a:r>
             <a:r>
               <a:rPr lang="en-US" dirty="0"/>
-              <a:t>. </a:t>
-            </a:r>
-            <a:r>
-              <a:rPr lang="en-US" dirty="0" err="1"/>
-              <a:t>Dans</a:t>
-            </a:r>
-            <a:r>
-              <a:rPr lang="en-US" dirty="0"/>
-              <a:t> </a:t>
-            </a:r>
-            <a:r>
-              <a:rPr lang="en-US" dirty="0" err="1"/>
-              <a:t>l’absolu</a:t>
-            </a:r>
-            <a:r>
-              <a:rPr lang="en-US" dirty="0"/>
-              <a:t>, le </a:t>
-            </a:r>
-            <a:r>
-              <a:rPr lang="en-US" dirty="0" err="1"/>
-              <a:t>couplage</a:t>
-            </a:r>
-            <a:r>
-              <a:rPr lang="en-US" dirty="0"/>
-              <a:t> </a:t>
-            </a:r>
-            <a:r>
-              <a:rPr lang="en-US" dirty="0" err="1"/>
-              <a:t>indique</a:t>
-            </a:r>
-            <a:r>
-              <a:rPr lang="en-US" dirty="0"/>
-              <a:t> la force </a:t>
-            </a:r>
-            <a:r>
-              <a:rPr lang="en-US" dirty="0" err="1"/>
-              <a:t>d’interconnexion</a:t>
-            </a:r>
-            <a:r>
-              <a:rPr lang="en-US" dirty="0"/>
-              <a:t> entre les modules. </a:t>
+              <a:t>. […] </a:t>
             </a:r>
             <a:r>
               <a:rPr lang="en-US" dirty="0" err="1"/>
@@ -4583,7 +4650,7 @@
             <a:pPr lvl="1"/>
             <a:r>
               <a:rPr lang="fr-FR" dirty="0"/>
-              <a:t>La compréhension de ce que fait un module sans avoir à lire les autres</a:t>
+              <a:t>La compréhension de ce que fait un module sans avoir à lire les connaitre les modules dépendants</a:t>
             </a:r>
           </a:p>
           <a:p>
@@ -5138,121 +5205,53 @@
           </a:p>
         </p:txBody>
       </p:sp>
-      <p:sp>
-        <p:nvSpPr>
-          <p:cNvPr id="3" name="Espace réservé du contenu 2"/>
-          <p:cNvSpPr>
-            <a:spLocks noGrp="1"/>
-          </p:cNvSpPr>
+      <p:pic>
+        <p:nvPicPr>
+          <p:cNvPr id="1026" name="Picture 2" descr="Dependency Injection in .NET by Mark Seemann, http://www.amazon.com/dp ..."/>
+          <p:cNvPicPr>
+            <a:picLocks noGrp="1" noChangeAspect="1" noChangeArrowheads="1"/>
+          </p:cNvPicPr>
           <p:nvPr>
             <p:ph idx="1"/>
           </p:nvPr>
-        </p:nvSpPr>
-        <p:spPr/>
-        <p:txBody>
-          <a:bodyPr>
-            <a:normAutofit/>
-          </a:bodyPr>
-          <a:lstStyle/>
-          <a:p>
-            <a:r>
-              <a:rPr lang="fr-FR" dirty="0">
-                <a:hlinkClick r:id="rId2"/>
-              </a:rPr>
-              <a:t>http://enterprisecraftsmanship.com/2015/09/02/cohesion-coupling-difference/</a:t>
-            </a:r>
-            <a:br>
-              <a:rPr lang="fr-FR" dirty="0"/>
-            </a:br>
-            <a:r>
-              <a:rPr lang="fr-FR" dirty="0">
-                <a:hlinkClick r:id="rId3"/>
-              </a:rPr>
-              <a:t>http://www.infoworld.com/article/2949579/application-architecture/design-for-change-coupling-and-cohesion-in-object-oriented-systems.html</a:t>
-            </a:r>
-            <a:br>
-              <a:rPr lang="fr-FR" dirty="0"/>
-            </a:br>
-            <a:r>
-              <a:rPr lang="fr-FR" dirty="0">
-                <a:hlinkClick r:id="rId4"/>
-              </a:rPr>
-              <a:t>https://thebojan.ninja/2015/04/08/high-cohesion-loose-coupling/</a:t>
-            </a:r>
-            <a:br>
-              <a:rPr lang="fr-FR" dirty="0"/>
-            </a:br>
-            <a:r>
-              <a:rPr lang="fr-FR" dirty="0">
-                <a:hlinkClick r:id="rId5"/>
-              </a:rPr>
-              <a:t>http://www.xyzws.com/scjp/SGS11/5/2</a:t>
-            </a:r>
-            <a:endParaRPr lang="fr-FR" dirty="0"/>
-          </a:p>
-          <a:p>
-            <a:r>
-              <a:rPr lang="fr-FR" dirty="0">
-                <a:hlinkClick r:id="rId6"/>
-              </a:rPr>
-              <a:t>https://lostechies.com/derickbailey/2011/09/22/dependency-injection-is-not-the-same-as-the-dependency-inversion-principle/</a:t>
-            </a:r>
-            <a:endParaRPr lang="fr-FR" dirty="0"/>
-          </a:p>
-          <a:p>
-            <a:r>
-              <a:rPr lang="fr-FR">
-                <a:hlinkClick r:id="rId7"/>
-              </a:rPr>
-              <a:t>http</a:t>
-            </a:r>
-            <a:r>
-              <a:rPr lang="fr-FR" dirty="0">
-                <a:hlinkClick r:id="rId7"/>
-              </a:rPr>
-              <a:t>://blog.ploeh.dk/2010/02/03/ServiceLocatorisanAnti-Pattern/</a:t>
-            </a:r>
-            <a:br>
-              <a:rPr lang="fr-FR" dirty="0"/>
-            </a:br>
-            <a:r>
-              <a:rPr lang="fr-FR" dirty="0">
-                <a:hlinkClick r:id="rId8"/>
-              </a:rPr>
-              <a:t>http://blog.ploeh.dk/2014/05/15/service-locator-violates-solid/</a:t>
-            </a:r>
-            <a:br>
-              <a:rPr lang="fr-FR" dirty="0"/>
-            </a:br>
-            <a:r>
-              <a:rPr lang="fr-FR" dirty="0">
-                <a:hlinkClick r:id="rId9"/>
-              </a:rPr>
-              <a:t>http://blog.ploeh.dk/2015/10/26/service-locator-violates-encapsulation/</a:t>
-            </a:r>
-            <a:endParaRPr lang="fr-FR" dirty="0"/>
-          </a:p>
-          <a:p>
-            <a:br>
-              <a:rPr lang="fr-FR" dirty="0"/>
-            </a:br>
-            <a:endParaRPr lang="fr-FR" dirty="0"/>
-          </a:p>
-          <a:p>
-            <a:endParaRPr lang="fr-FR" dirty="0"/>
-          </a:p>
-          <a:p>
-            <a:endParaRPr lang="fr-FR" dirty="0"/>
-          </a:p>
-          <a:p>
-            <a:endParaRPr lang="fr-FR" dirty="0"/>
-          </a:p>
-        </p:txBody>
-      </p:sp>
+        </p:nvPicPr>
+        <p:blipFill>
+          <a:blip r:embed="rId2">
+            <a:extLst>
+              <a:ext uri="{28A0092B-C50C-407E-A947-70E740481C1C}">
+                <a14:useLocalDpi xmlns:a14="http://schemas.microsoft.com/office/drawing/2010/main" val="0"/>
+              </a:ext>
+            </a:extLst>
+          </a:blip>
+          <a:srcRect/>
+          <a:stretch>
+            <a:fillRect/>
+          </a:stretch>
+        </p:blipFill>
+        <p:spPr bwMode="auto">
+          <a:xfrm>
+            <a:off x="4517073" y="1846263"/>
+            <a:ext cx="3218180" cy="4022725"/>
+          </a:xfrm>
+          <a:prstGeom prst="rect">
+            <a:avLst/>
+          </a:prstGeom>
+          <a:noFill/>
+          <a:extLst>
+            <a:ext uri="{909E8E84-426E-40DD-AFC4-6F175D3DCCD1}">
+              <a14:hiddenFill xmlns:a14="http://schemas.microsoft.com/office/drawing/2010/main">
+                <a:solidFill>
+                  <a:srgbClr val="FFFFFF"/>
+                </a:solidFill>
+              </a14:hiddenFill>
+            </a:ext>
+          </a:extLst>
+        </p:spPr>
+      </p:pic>
     </p:spTree>
     <p:extLst>
       <p:ext uri="{BB962C8B-B14F-4D97-AF65-F5344CB8AC3E}">
-        <p14:creationId xmlns:p14="http://schemas.microsoft.com/office/powerpoint/2010/main" val="684659631"/>
+        <p14:creationId xmlns:p14="http://schemas.microsoft.com/office/powerpoint/2010/main" val="1124821970"/>
       </p:ext>
     </p:extLst>
   </p:cSld>
